--- a/doc/汇报.pptx
+++ b/doc/汇报.pptx
@@ -6,44 +6,45 @@
     <p:sldMasterId id="2147483669" r:id="rId2"/>
   </p:sldMasterIdLst>
   <p:notesMasterIdLst>
-    <p:notesMasterId r:id="rId38"/>
+    <p:notesMasterId r:id="rId39"/>
   </p:notesMasterIdLst>
   <p:sldIdLst>
     <p:sldId id="256" r:id="rId3"/>
     <p:sldId id="257" r:id="rId4"/>
     <p:sldId id="258" r:id="rId5"/>
-    <p:sldId id="291" r:id="rId6"/>
-    <p:sldId id="259" r:id="rId7"/>
-    <p:sldId id="281" r:id="rId8"/>
-    <p:sldId id="283" r:id="rId9"/>
-    <p:sldId id="284" r:id="rId10"/>
-    <p:sldId id="285" r:id="rId11"/>
-    <p:sldId id="286" r:id="rId12"/>
-    <p:sldId id="287" r:id="rId13"/>
-    <p:sldId id="263" r:id="rId14"/>
-    <p:sldId id="288" r:id="rId15"/>
-    <p:sldId id="289" r:id="rId16"/>
-    <p:sldId id="290" r:id="rId17"/>
-    <p:sldId id="292" r:id="rId18"/>
-    <p:sldId id="293" r:id="rId19"/>
-    <p:sldId id="294" r:id="rId20"/>
-    <p:sldId id="295" r:id="rId21"/>
-    <p:sldId id="296" r:id="rId22"/>
-    <p:sldId id="297" r:id="rId23"/>
-    <p:sldId id="298" r:id="rId24"/>
-    <p:sldId id="299" r:id="rId25"/>
-    <p:sldId id="300" r:id="rId26"/>
-    <p:sldId id="301" r:id="rId27"/>
-    <p:sldId id="302" r:id="rId28"/>
-    <p:sldId id="303" r:id="rId29"/>
-    <p:sldId id="304" r:id="rId30"/>
-    <p:sldId id="305" r:id="rId31"/>
-    <p:sldId id="306" r:id="rId32"/>
-    <p:sldId id="268" r:id="rId33"/>
-    <p:sldId id="273" r:id="rId34"/>
-    <p:sldId id="307" r:id="rId35"/>
-    <p:sldId id="308" r:id="rId36"/>
-    <p:sldId id="280" r:id="rId37"/>
+    <p:sldId id="309" r:id="rId6"/>
+    <p:sldId id="291" r:id="rId7"/>
+    <p:sldId id="259" r:id="rId8"/>
+    <p:sldId id="281" r:id="rId9"/>
+    <p:sldId id="283" r:id="rId10"/>
+    <p:sldId id="284" r:id="rId11"/>
+    <p:sldId id="285" r:id="rId12"/>
+    <p:sldId id="286" r:id="rId13"/>
+    <p:sldId id="287" r:id="rId14"/>
+    <p:sldId id="263" r:id="rId15"/>
+    <p:sldId id="288" r:id="rId16"/>
+    <p:sldId id="289" r:id="rId17"/>
+    <p:sldId id="290" r:id="rId18"/>
+    <p:sldId id="292" r:id="rId19"/>
+    <p:sldId id="293" r:id="rId20"/>
+    <p:sldId id="294" r:id="rId21"/>
+    <p:sldId id="295" r:id="rId22"/>
+    <p:sldId id="296" r:id="rId23"/>
+    <p:sldId id="297" r:id="rId24"/>
+    <p:sldId id="298" r:id="rId25"/>
+    <p:sldId id="299" r:id="rId26"/>
+    <p:sldId id="300" r:id="rId27"/>
+    <p:sldId id="301" r:id="rId28"/>
+    <p:sldId id="302" r:id="rId29"/>
+    <p:sldId id="303" r:id="rId30"/>
+    <p:sldId id="304" r:id="rId31"/>
+    <p:sldId id="305" r:id="rId32"/>
+    <p:sldId id="306" r:id="rId33"/>
+    <p:sldId id="268" r:id="rId34"/>
+    <p:sldId id="273" r:id="rId35"/>
+    <p:sldId id="307" r:id="rId36"/>
+    <p:sldId id="308" r:id="rId37"/>
+    <p:sldId id="280" r:id="rId38"/>
   </p:sldIdLst>
   <p:sldSz cx="12192000" cy="6858000"/>
   <p:notesSz cx="6858000" cy="9144000"/>
@@ -3686,6 +3687,277 @@
       </p:sp>
       <p:pic>
         <p:nvPicPr>
+          <p:cNvPr id="4" name="图片 3">
+            <a:extLst>
+              <a:ext uri="{FF2B5EF4-FFF2-40B4-BE49-F238E27FC236}">
+                <a16:creationId xmlns:a16="http://schemas.microsoft.com/office/drawing/2014/main" id="{A93D0366-9CC4-4D3E-A7A4-A32024D717F1}"/>
+              </a:ext>
+            </a:extLst>
+          </p:cNvPr>
+          <p:cNvPicPr>
+            <a:picLocks noChangeAspect="1"/>
+          </p:cNvPicPr>
+          <p:nvPr/>
+        </p:nvPicPr>
+        <p:blipFill>
+          <a:blip r:embed="rId2"/>
+          <a:stretch>
+            <a:fillRect/>
+          </a:stretch>
+        </p:blipFill>
+        <p:spPr>
+          <a:xfrm>
+            <a:off x="0" y="1962767"/>
+            <a:ext cx="12192000" cy="2932466"/>
+          </a:xfrm>
+          <a:prstGeom prst="rect">
+            <a:avLst/>
+          </a:prstGeom>
+        </p:spPr>
+      </p:pic>
+    </p:spTree>
+    <p:extLst>
+      <p:ext uri="{BB962C8B-B14F-4D97-AF65-F5344CB8AC3E}">
+        <p14:creationId xmlns:p14="http://schemas.microsoft.com/office/powerpoint/2010/main" val="4079829219"/>
+      </p:ext>
+    </p:extLst>
+  </p:cSld>
+  <p:clrMapOvr>
+    <a:masterClrMapping/>
+  </p:clrMapOvr>
+</p:sld>
+</file>
+
+<file path=ppt/slides/slide11.xml><?xml version="1.0" encoding="utf-8"?>
+<p:sld xmlns:a="http://schemas.openxmlformats.org/drawingml/2006/main" xmlns:r="http://schemas.openxmlformats.org/officeDocument/2006/relationships" xmlns:p="http://schemas.openxmlformats.org/presentationml/2006/main">
+  <p:cSld>
+    <p:spTree>
+      <p:nvGrpSpPr>
+        <p:cNvPr id="1" name=""/>
+        <p:cNvGrpSpPr/>
+        <p:nvPr/>
+      </p:nvGrpSpPr>
+      <p:grpSpPr>
+        <a:xfrm>
+          <a:off x="0" y="0"/>
+          <a:ext cx="0" cy="0"/>
+          <a:chOff x="0" y="0"/>
+          <a:chExt cx="0" cy="0"/>
+        </a:xfrm>
+      </p:grpSpPr>
+      <p:sp>
+        <p:nvSpPr>
+          <p:cNvPr id="27" name="文本占位符 17"/>
+          <p:cNvSpPr txBox="1">
+            <a:spLocks/>
+          </p:cNvSpPr>
+          <p:nvPr/>
+        </p:nvSpPr>
+        <p:spPr>
+          <a:xfrm>
+            <a:off x="252193" y="505633"/>
+            <a:ext cx="3817473" cy="416822"/>
+          </a:xfrm>
+          <a:prstGeom prst="rect">
+            <a:avLst/>
+          </a:prstGeom>
+        </p:spPr>
+        <p:txBody>
+          <a:bodyPr/>
+          <a:lstStyle>
+            <a:lvl1pPr marL="228600" indent="-228600" algn="l" defTabSz="914400" rtl="0" eaLnBrk="1" latinLnBrk="0" hangingPunct="1">
+              <a:lnSpc>
+                <a:spcPct val="90000"/>
+              </a:lnSpc>
+              <a:spcBef>
+                <a:spcPts val="1000"/>
+              </a:spcBef>
+              <a:buFont typeface="Arial" panose="020B0604020202020204" pitchFamily="34" charset="0"/>
+              <a:buChar char="•"/>
+              <a:defRPr lang="en-US" sz="2400" kern="1200" dirty="0" smtClean="0">
+                <a:solidFill>
+                  <a:schemeClr val="tx1"/>
+                </a:solidFill>
+                <a:effectLst/>
+                <a:latin typeface="Lato" panose="020F0502020204030203" pitchFamily="34" charset="0"/>
+                <a:ea typeface="+mn-ea"/>
+                <a:cs typeface="+mn-cs"/>
+              </a:defRPr>
+            </a:lvl1pPr>
+            <a:lvl2pPr marL="685800" indent="-228600" algn="l" defTabSz="914400" rtl="0" eaLnBrk="1" latinLnBrk="0" hangingPunct="1">
+              <a:lnSpc>
+                <a:spcPct val="90000"/>
+              </a:lnSpc>
+              <a:spcBef>
+                <a:spcPts val="500"/>
+              </a:spcBef>
+              <a:buFont typeface="Arial" panose="020B0604020202020204" pitchFamily="34" charset="0"/>
+              <a:buChar char="•"/>
+              <a:defRPr lang="en-US" sz="2000" kern="1200" dirty="0" smtClean="0">
+                <a:solidFill>
+                  <a:schemeClr val="tx1"/>
+                </a:solidFill>
+                <a:effectLst/>
+                <a:latin typeface="Lato" panose="020F0502020204030203" pitchFamily="34" charset="0"/>
+                <a:ea typeface="+mn-ea"/>
+                <a:cs typeface="+mn-cs"/>
+              </a:defRPr>
+            </a:lvl2pPr>
+            <a:lvl3pPr marL="1143000" indent="-228600" algn="l" defTabSz="914400" rtl="0" eaLnBrk="1" latinLnBrk="0" hangingPunct="1">
+              <a:lnSpc>
+                <a:spcPct val="90000"/>
+              </a:lnSpc>
+              <a:spcBef>
+                <a:spcPts val="500"/>
+              </a:spcBef>
+              <a:buFont typeface="Arial" panose="020B0604020202020204" pitchFamily="34" charset="0"/>
+              <a:buChar char="•"/>
+              <a:defRPr lang="en-US" sz="1800" kern="1200" dirty="0" smtClean="0">
+                <a:solidFill>
+                  <a:schemeClr val="tx1"/>
+                </a:solidFill>
+                <a:effectLst/>
+                <a:latin typeface="Lato" panose="020F0502020204030203" pitchFamily="34" charset="0"/>
+                <a:ea typeface="+mn-ea"/>
+                <a:cs typeface="+mn-cs"/>
+              </a:defRPr>
+            </a:lvl3pPr>
+            <a:lvl4pPr marL="1600200" indent="-228600" algn="l" defTabSz="914400" rtl="0" eaLnBrk="1" latinLnBrk="0" hangingPunct="1">
+              <a:lnSpc>
+                <a:spcPct val="90000"/>
+              </a:lnSpc>
+              <a:spcBef>
+                <a:spcPts val="500"/>
+              </a:spcBef>
+              <a:buFont typeface="Arial" panose="020B0604020202020204" pitchFamily="34" charset="0"/>
+              <a:buChar char="•"/>
+              <a:defRPr lang="en-US" sz="1600" kern="1200" dirty="0" smtClean="0">
+                <a:solidFill>
+                  <a:schemeClr val="tx1"/>
+                </a:solidFill>
+                <a:effectLst/>
+                <a:latin typeface="Lato" panose="020F0502020204030203" pitchFamily="34" charset="0"/>
+                <a:ea typeface="+mn-ea"/>
+                <a:cs typeface="+mn-cs"/>
+              </a:defRPr>
+            </a:lvl4pPr>
+            <a:lvl5pPr marL="2057400" indent="-228600" algn="l" defTabSz="914400" rtl="0" eaLnBrk="1" latinLnBrk="0" hangingPunct="1">
+              <a:lnSpc>
+                <a:spcPct val="90000"/>
+              </a:lnSpc>
+              <a:spcBef>
+                <a:spcPts val="500"/>
+              </a:spcBef>
+              <a:buFont typeface="Arial" panose="020B0604020202020204" pitchFamily="34" charset="0"/>
+              <a:buChar char="•"/>
+              <a:defRPr lang="en-US" sz="1600" kern="1200" dirty="0">
+                <a:solidFill>
+                  <a:schemeClr val="tx1"/>
+                </a:solidFill>
+                <a:effectLst/>
+                <a:latin typeface="Lato" panose="020F0502020204030203" pitchFamily="34" charset="0"/>
+                <a:ea typeface="+mn-ea"/>
+                <a:cs typeface="+mn-cs"/>
+              </a:defRPr>
+            </a:lvl5pPr>
+            <a:lvl6pPr marL="2514600" indent="-228600" algn="l" defTabSz="914400" rtl="0" eaLnBrk="1" latinLnBrk="0" hangingPunct="1">
+              <a:lnSpc>
+                <a:spcPct val="90000"/>
+              </a:lnSpc>
+              <a:spcBef>
+                <a:spcPts val="500"/>
+              </a:spcBef>
+              <a:buFont typeface="Arial" panose="020B0604020202020204" pitchFamily="34" charset="0"/>
+              <a:buChar char="•"/>
+              <a:defRPr sz="1800" kern="1200">
+                <a:solidFill>
+                  <a:schemeClr val="tx1"/>
+                </a:solidFill>
+                <a:latin typeface="+mn-lt"/>
+                <a:ea typeface="+mn-ea"/>
+                <a:cs typeface="+mn-cs"/>
+              </a:defRPr>
+            </a:lvl6pPr>
+            <a:lvl7pPr marL="2971800" indent="-228600" algn="l" defTabSz="914400" rtl="0" eaLnBrk="1" latinLnBrk="0" hangingPunct="1">
+              <a:lnSpc>
+                <a:spcPct val="90000"/>
+              </a:lnSpc>
+              <a:spcBef>
+                <a:spcPts val="500"/>
+              </a:spcBef>
+              <a:buFont typeface="Arial" panose="020B0604020202020204" pitchFamily="34" charset="0"/>
+              <a:buChar char="•"/>
+              <a:defRPr sz="1800" kern="1200">
+                <a:solidFill>
+                  <a:schemeClr val="tx1"/>
+                </a:solidFill>
+                <a:latin typeface="+mn-lt"/>
+                <a:ea typeface="+mn-ea"/>
+                <a:cs typeface="+mn-cs"/>
+              </a:defRPr>
+            </a:lvl7pPr>
+            <a:lvl8pPr marL="3429000" indent="-228600" algn="l" defTabSz="914400" rtl="0" eaLnBrk="1" latinLnBrk="0" hangingPunct="1">
+              <a:lnSpc>
+                <a:spcPct val="90000"/>
+              </a:lnSpc>
+              <a:spcBef>
+                <a:spcPts val="500"/>
+              </a:spcBef>
+              <a:buFont typeface="Arial" panose="020B0604020202020204" pitchFamily="34" charset="0"/>
+              <a:buChar char="•"/>
+              <a:defRPr sz="1800" kern="1200">
+                <a:solidFill>
+                  <a:schemeClr val="tx1"/>
+                </a:solidFill>
+                <a:latin typeface="+mn-lt"/>
+                <a:ea typeface="+mn-ea"/>
+                <a:cs typeface="+mn-cs"/>
+              </a:defRPr>
+            </a:lvl8pPr>
+            <a:lvl9pPr marL="3886200" indent="-228600" algn="l" defTabSz="914400" rtl="0" eaLnBrk="1" latinLnBrk="0" hangingPunct="1">
+              <a:lnSpc>
+                <a:spcPct val="90000"/>
+              </a:lnSpc>
+              <a:spcBef>
+                <a:spcPts val="500"/>
+              </a:spcBef>
+              <a:buFont typeface="Arial" panose="020B0604020202020204" pitchFamily="34" charset="0"/>
+              <a:buChar char="•"/>
+              <a:defRPr sz="1800" kern="1200">
+                <a:solidFill>
+                  <a:schemeClr val="tx1"/>
+                </a:solidFill>
+                <a:latin typeface="+mn-lt"/>
+                <a:ea typeface="+mn-ea"/>
+                <a:cs typeface="+mn-cs"/>
+              </a:defRPr>
+            </a:lvl9pPr>
+          </a:lstStyle>
+          <a:p>
+            <a:pPr marL="0" indent="0">
+              <a:buNone/>
+            </a:pPr>
+            <a:r>
+              <a:rPr lang="en-US" altLang="zh-CN" sz="2000" dirty="0">
+                <a:latin typeface="+mn-lt"/>
+                <a:cs typeface="+mn-ea"/>
+                <a:sym typeface="+mn-lt"/>
+              </a:rPr>
+              <a:t>API</a:t>
+            </a:r>
+            <a:r>
+              <a:rPr lang="zh-CN" altLang="en-US" sz="2000" dirty="0">
+                <a:latin typeface="+mn-lt"/>
+                <a:cs typeface="+mn-ea"/>
+                <a:sym typeface="+mn-lt"/>
+              </a:rPr>
+              <a:t>设计</a:t>
+            </a:r>
+          </a:p>
+        </p:txBody>
+      </p:sp>
+      <p:pic>
+        <p:nvPicPr>
           <p:cNvPr id="3" name="图片 2">
             <a:extLst>
               <a:ext uri="{FF2B5EF4-FFF2-40B4-BE49-F238E27FC236}">
@@ -3727,7 +3999,7 @@
 </p:sld>
 </file>
 
-<file path=ppt/slides/slide11.xml><?xml version="1.0" encoding="utf-8"?>
+<file path=ppt/slides/slide12.xml><?xml version="1.0" encoding="utf-8"?>
 <p:sld xmlns:a="http://schemas.openxmlformats.org/drawingml/2006/main" xmlns:r="http://schemas.openxmlformats.org/officeDocument/2006/relationships" xmlns:p="http://schemas.openxmlformats.org/presentationml/2006/main">
   <p:cSld>
     <p:spTree>
@@ -3998,7 +4270,7 @@
 </p:sld>
 </file>
 
-<file path=ppt/slides/slide12.xml><?xml version="1.0" encoding="utf-8"?>
+<file path=ppt/slides/slide13.xml><?xml version="1.0" encoding="utf-8"?>
 <p:sld xmlns:a="http://schemas.openxmlformats.org/drawingml/2006/main" xmlns:r="http://schemas.openxmlformats.org/officeDocument/2006/relationships" xmlns:p="http://schemas.openxmlformats.org/presentationml/2006/main">
   <p:cSld>
     <p:spTree>
@@ -4456,7 +4728,7 @@
 </p:sld>
 </file>
 
-<file path=ppt/slides/slide13.xml><?xml version="1.0" encoding="utf-8"?>
+<file path=ppt/slides/slide14.xml><?xml version="1.0" encoding="utf-8"?>
 <p:sld xmlns:a="http://schemas.openxmlformats.org/drawingml/2006/main" xmlns:r="http://schemas.openxmlformats.org/officeDocument/2006/relationships" xmlns:p="http://schemas.openxmlformats.org/presentationml/2006/main">
   <p:cSld>
     <p:spTree>
@@ -5036,7 +5308,7 @@
 </p:sld>
 </file>
 
-<file path=ppt/slides/slide14.xml><?xml version="1.0" encoding="utf-8"?>
+<file path=ppt/slides/slide15.xml><?xml version="1.0" encoding="utf-8"?>
 <p:sld xmlns:a="http://schemas.openxmlformats.org/drawingml/2006/main" xmlns:r="http://schemas.openxmlformats.org/officeDocument/2006/relationships" xmlns:p="http://schemas.openxmlformats.org/presentationml/2006/main">
   <p:cSld>
     <p:spTree>
@@ -5573,7 +5845,7 @@
 </p:sld>
 </file>
 
-<file path=ppt/slides/slide15.xml><?xml version="1.0" encoding="utf-8"?>
+<file path=ppt/slides/slide16.xml><?xml version="1.0" encoding="utf-8"?>
 <p:sld xmlns:a="http://schemas.openxmlformats.org/drawingml/2006/main" xmlns:r="http://schemas.openxmlformats.org/officeDocument/2006/relationships" xmlns:p="http://schemas.openxmlformats.org/presentationml/2006/main">
   <p:cSld>
     <p:spTree>
@@ -6221,7 +6493,7 @@
 </p:sld>
 </file>
 
-<file path=ppt/slides/slide16.xml><?xml version="1.0" encoding="utf-8"?>
+<file path=ppt/slides/slide17.xml><?xml version="1.0" encoding="utf-8"?>
 <p:sld xmlns:a="http://schemas.openxmlformats.org/drawingml/2006/main" xmlns:r="http://schemas.openxmlformats.org/officeDocument/2006/relationships" xmlns:p="http://schemas.openxmlformats.org/presentationml/2006/main">
   <p:cSld>
     <p:spTree>
@@ -6758,7 +7030,7 @@
 </p:sld>
 </file>
 
-<file path=ppt/slides/slide17.xml><?xml version="1.0" encoding="utf-8"?>
+<file path=ppt/slides/slide18.xml><?xml version="1.0" encoding="utf-8"?>
 <p:sld xmlns:a="http://schemas.openxmlformats.org/drawingml/2006/main" xmlns:r="http://schemas.openxmlformats.org/officeDocument/2006/relationships" xmlns:p="http://schemas.openxmlformats.org/presentationml/2006/main">
   <p:cSld>
     <p:spTree>
@@ -7270,7 +7542,7 @@
 </p:sld>
 </file>
 
-<file path=ppt/slides/slide18.xml><?xml version="1.0" encoding="utf-8"?>
+<file path=ppt/slides/slide19.xml><?xml version="1.0" encoding="utf-8"?>
 <p:sld xmlns:a="http://schemas.openxmlformats.org/drawingml/2006/main" xmlns:r="http://schemas.openxmlformats.org/officeDocument/2006/relationships" xmlns:p="http://schemas.openxmlformats.org/presentationml/2006/main">
   <p:cSld>
     <p:spTree>
@@ -7816,607 +8088,6 @@
     <p:extLst>
       <p:ext uri="{BB962C8B-B14F-4D97-AF65-F5344CB8AC3E}">
         <p14:creationId xmlns:p14="http://schemas.microsoft.com/office/powerpoint/2010/main" val="2876735602"/>
-      </p:ext>
-    </p:extLst>
-  </p:cSld>
-  <p:clrMapOvr>
-    <a:masterClrMapping/>
-  </p:clrMapOvr>
-</p:sld>
-</file>
-
-<file path=ppt/slides/slide19.xml><?xml version="1.0" encoding="utf-8"?>
-<p:sld xmlns:a="http://schemas.openxmlformats.org/drawingml/2006/main" xmlns:r="http://schemas.openxmlformats.org/officeDocument/2006/relationships" xmlns:p="http://schemas.openxmlformats.org/presentationml/2006/main">
-  <p:cSld>
-    <p:spTree>
-      <p:nvGrpSpPr>
-        <p:cNvPr id="1" name=""/>
-        <p:cNvGrpSpPr/>
-        <p:nvPr/>
-      </p:nvGrpSpPr>
-      <p:grpSpPr>
-        <a:xfrm>
-          <a:off x="0" y="0"/>
-          <a:ext cx="0" cy="0"/>
-          <a:chOff x="0" y="0"/>
-          <a:chExt cx="0" cy="0"/>
-        </a:xfrm>
-      </p:grpSpPr>
-      <p:sp>
-        <p:nvSpPr>
-          <p:cNvPr id="27" name="文本占位符 17"/>
-          <p:cNvSpPr txBox="1">
-            <a:spLocks/>
-          </p:cNvSpPr>
-          <p:nvPr/>
-        </p:nvSpPr>
-        <p:spPr>
-          <a:xfrm>
-            <a:off x="252193" y="505633"/>
-            <a:ext cx="3817473" cy="416822"/>
-          </a:xfrm>
-          <a:prstGeom prst="rect">
-            <a:avLst/>
-          </a:prstGeom>
-        </p:spPr>
-        <p:txBody>
-          <a:bodyPr/>
-          <a:lstStyle>
-            <a:lvl1pPr marL="228600" indent="-228600" algn="l" defTabSz="914400" rtl="0" eaLnBrk="1" latinLnBrk="0" hangingPunct="1">
-              <a:lnSpc>
-                <a:spcPct val="90000"/>
-              </a:lnSpc>
-              <a:spcBef>
-                <a:spcPts val="1000"/>
-              </a:spcBef>
-              <a:buFont typeface="Arial" panose="020B0604020202020204" pitchFamily="34" charset="0"/>
-              <a:buChar char="•"/>
-              <a:defRPr lang="en-US" sz="2400" kern="1200" dirty="0" smtClean="0">
-                <a:solidFill>
-                  <a:schemeClr val="tx1"/>
-                </a:solidFill>
-                <a:effectLst/>
-                <a:latin typeface="Lato" panose="020F0502020204030203" pitchFamily="34" charset="0"/>
-                <a:ea typeface="+mn-ea"/>
-                <a:cs typeface="+mn-cs"/>
-              </a:defRPr>
-            </a:lvl1pPr>
-            <a:lvl2pPr marL="685800" indent="-228600" algn="l" defTabSz="914400" rtl="0" eaLnBrk="1" latinLnBrk="0" hangingPunct="1">
-              <a:lnSpc>
-                <a:spcPct val="90000"/>
-              </a:lnSpc>
-              <a:spcBef>
-                <a:spcPts val="500"/>
-              </a:spcBef>
-              <a:buFont typeface="Arial" panose="020B0604020202020204" pitchFamily="34" charset="0"/>
-              <a:buChar char="•"/>
-              <a:defRPr lang="en-US" sz="2000" kern="1200" dirty="0" smtClean="0">
-                <a:solidFill>
-                  <a:schemeClr val="tx1"/>
-                </a:solidFill>
-                <a:effectLst/>
-                <a:latin typeface="Lato" panose="020F0502020204030203" pitchFamily="34" charset="0"/>
-                <a:ea typeface="+mn-ea"/>
-                <a:cs typeface="+mn-cs"/>
-              </a:defRPr>
-            </a:lvl2pPr>
-            <a:lvl3pPr marL="1143000" indent="-228600" algn="l" defTabSz="914400" rtl="0" eaLnBrk="1" latinLnBrk="0" hangingPunct="1">
-              <a:lnSpc>
-                <a:spcPct val="90000"/>
-              </a:lnSpc>
-              <a:spcBef>
-                <a:spcPts val="500"/>
-              </a:spcBef>
-              <a:buFont typeface="Arial" panose="020B0604020202020204" pitchFamily="34" charset="0"/>
-              <a:buChar char="•"/>
-              <a:defRPr lang="en-US" sz="1800" kern="1200" dirty="0" smtClean="0">
-                <a:solidFill>
-                  <a:schemeClr val="tx1"/>
-                </a:solidFill>
-                <a:effectLst/>
-                <a:latin typeface="Lato" panose="020F0502020204030203" pitchFamily="34" charset="0"/>
-                <a:ea typeface="+mn-ea"/>
-                <a:cs typeface="+mn-cs"/>
-              </a:defRPr>
-            </a:lvl3pPr>
-            <a:lvl4pPr marL="1600200" indent="-228600" algn="l" defTabSz="914400" rtl="0" eaLnBrk="1" latinLnBrk="0" hangingPunct="1">
-              <a:lnSpc>
-                <a:spcPct val="90000"/>
-              </a:lnSpc>
-              <a:spcBef>
-                <a:spcPts val="500"/>
-              </a:spcBef>
-              <a:buFont typeface="Arial" panose="020B0604020202020204" pitchFamily="34" charset="0"/>
-              <a:buChar char="•"/>
-              <a:defRPr lang="en-US" sz="1600" kern="1200" dirty="0" smtClean="0">
-                <a:solidFill>
-                  <a:schemeClr val="tx1"/>
-                </a:solidFill>
-                <a:effectLst/>
-                <a:latin typeface="Lato" panose="020F0502020204030203" pitchFamily="34" charset="0"/>
-                <a:ea typeface="+mn-ea"/>
-                <a:cs typeface="+mn-cs"/>
-              </a:defRPr>
-            </a:lvl4pPr>
-            <a:lvl5pPr marL="2057400" indent="-228600" algn="l" defTabSz="914400" rtl="0" eaLnBrk="1" latinLnBrk="0" hangingPunct="1">
-              <a:lnSpc>
-                <a:spcPct val="90000"/>
-              </a:lnSpc>
-              <a:spcBef>
-                <a:spcPts val="500"/>
-              </a:spcBef>
-              <a:buFont typeface="Arial" panose="020B0604020202020204" pitchFamily="34" charset="0"/>
-              <a:buChar char="•"/>
-              <a:defRPr lang="en-US" sz="1600" kern="1200" dirty="0">
-                <a:solidFill>
-                  <a:schemeClr val="tx1"/>
-                </a:solidFill>
-                <a:effectLst/>
-                <a:latin typeface="Lato" panose="020F0502020204030203" pitchFamily="34" charset="0"/>
-                <a:ea typeface="+mn-ea"/>
-                <a:cs typeface="+mn-cs"/>
-              </a:defRPr>
-            </a:lvl5pPr>
-            <a:lvl6pPr marL="2514600" indent="-228600" algn="l" defTabSz="914400" rtl="0" eaLnBrk="1" latinLnBrk="0" hangingPunct="1">
-              <a:lnSpc>
-                <a:spcPct val="90000"/>
-              </a:lnSpc>
-              <a:spcBef>
-                <a:spcPts val="500"/>
-              </a:spcBef>
-              <a:buFont typeface="Arial" panose="020B0604020202020204" pitchFamily="34" charset="0"/>
-              <a:buChar char="•"/>
-              <a:defRPr sz="1800" kern="1200">
-                <a:solidFill>
-                  <a:schemeClr val="tx1"/>
-                </a:solidFill>
-                <a:latin typeface="+mn-lt"/>
-                <a:ea typeface="+mn-ea"/>
-                <a:cs typeface="+mn-cs"/>
-              </a:defRPr>
-            </a:lvl6pPr>
-            <a:lvl7pPr marL="2971800" indent="-228600" algn="l" defTabSz="914400" rtl="0" eaLnBrk="1" latinLnBrk="0" hangingPunct="1">
-              <a:lnSpc>
-                <a:spcPct val="90000"/>
-              </a:lnSpc>
-              <a:spcBef>
-                <a:spcPts val="500"/>
-              </a:spcBef>
-              <a:buFont typeface="Arial" panose="020B0604020202020204" pitchFamily="34" charset="0"/>
-              <a:buChar char="•"/>
-              <a:defRPr sz="1800" kern="1200">
-                <a:solidFill>
-                  <a:schemeClr val="tx1"/>
-                </a:solidFill>
-                <a:latin typeface="+mn-lt"/>
-                <a:ea typeface="+mn-ea"/>
-                <a:cs typeface="+mn-cs"/>
-              </a:defRPr>
-            </a:lvl7pPr>
-            <a:lvl8pPr marL="3429000" indent="-228600" algn="l" defTabSz="914400" rtl="0" eaLnBrk="1" latinLnBrk="0" hangingPunct="1">
-              <a:lnSpc>
-                <a:spcPct val="90000"/>
-              </a:lnSpc>
-              <a:spcBef>
-                <a:spcPts val="500"/>
-              </a:spcBef>
-              <a:buFont typeface="Arial" panose="020B0604020202020204" pitchFamily="34" charset="0"/>
-              <a:buChar char="•"/>
-              <a:defRPr sz="1800" kern="1200">
-                <a:solidFill>
-                  <a:schemeClr val="tx1"/>
-                </a:solidFill>
-                <a:latin typeface="+mn-lt"/>
-                <a:ea typeface="+mn-ea"/>
-                <a:cs typeface="+mn-cs"/>
-              </a:defRPr>
-            </a:lvl8pPr>
-            <a:lvl9pPr marL="3886200" indent="-228600" algn="l" defTabSz="914400" rtl="0" eaLnBrk="1" latinLnBrk="0" hangingPunct="1">
-              <a:lnSpc>
-                <a:spcPct val="90000"/>
-              </a:lnSpc>
-              <a:spcBef>
-                <a:spcPts val="500"/>
-              </a:spcBef>
-              <a:buFont typeface="Arial" panose="020B0604020202020204" pitchFamily="34" charset="0"/>
-              <a:buChar char="•"/>
-              <a:defRPr sz="1800" kern="1200">
-                <a:solidFill>
-                  <a:schemeClr val="tx1"/>
-                </a:solidFill>
-                <a:latin typeface="+mn-lt"/>
-                <a:ea typeface="+mn-ea"/>
-                <a:cs typeface="+mn-cs"/>
-              </a:defRPr>
-            </a:lvl9pPr>
-          </a:lstStyle>
-          <a:p>
-            <a:pPr marL="0" indent="0">
-              <a:buNone/>
-            </a:pPr>
-            <a:r>
-              <a:rPr lang="zh-CN" altLang="en-US" sz="2000" dirty="0">
-                <a:latin typeface="+mn-lt"/>
-                <a:cs typeface="+mn-ea"/>
-                <a:sym typeface="+mn-lt"/>
-              </a:rPr>
-              <a:t>修改个人信息</a:t>
-            </a:r>
-          </a:p>
-        </p:txBody>
-      </p:sp>
-      <p:sp>
-        <p:nvSpPr>
-          <p:cNvPr id="6" name="Text Placeholder 33">
-            <a:extLst>
-              <a:ext uri="{FF2B5EF4-FFF2-40B4-BE49-F238E27FC236}">
-                <a16:creationId xmlns:a16="http://schemas.microsoft.com/office/drawing/2014/main" id="{A1BB187D-844C-4100-BA54-3C6D0820758E}"/>
-              </a:ext>
-            </a:extLst>
-          </p:cNvPr>
-          <p:cNvSpPr txBox="1"/>
-          <p:nvPr/>
-        </p:nvSpPr>
-        <p:spPr>
-          <a:xfrm>
-            <a:off x="7276095" y="782366"/>
-            <a:ext cx="4663711" cy="4556252"/>
-          </a:xfrm>
-          <a:prstGeom prst="rect">
-            <a:avLst/>
-          </a:prstGeom>
-        </p:spPr>
-        <p:txBody>
-          <a:bodyPr lIns="0" tIns="0" rIns="0" bIns="0"/>
-          <a:lstStyle>
-            <a:lvl1pPr marL="171450" indent="-171450" algn="l" defTabSz="685800" rtl="0" eaLnBrk="1" latinLnBrk="0" hangingPunct="1">
-              <a:lnSpc>
-                <a:spcPct val="90000"/>
-              </a:lnSpc>
-              <a:spcBef>
-                <a:spcPts val="750"/>
-              </a:spcBef>
-              <a:buFont typeface="Arial" pitchFamily="34" charset="0"/>
-              <a:buChar char="•"/>
-              <a:defRPr sz="2100" kern="1200">
-                <a:solidFill>
-                  <a:schemeClr val="tx1"/>
-                </a:solidFill>
-                <a:latin typeface="Neris Thin" panose="00000300000000000000" pitchFamily="50" charset="0"/>
-                <a:ea typeface="+mn-ea"/>
-                <a:cs typeface="+mn-cs"/>
-              </a:defRPr>
-            </a:lvl1pPr>
-            <a:lvl2pPr marL="514350" indent="-171450" algn="l" defTabSz="685800" rtl="0" eaLnBrk="1" latinLnBrk="0" hangingPunct="1">
-              <a:lnSpc>
-                <a:spcPct val="90000"/>
-              </a:lnSpc>
-              <a:spcBef>
-                <a:spcPts val="375"/>
-              </a:spcBef>
-              <a:buFont typeface="Arial" pitchFamily="34" charset="0"/>
-              <a:buChar char="•"/>
-              <a:defRPr sz="1800" kern="1200">
-                <a:solidFill>
-                  <a:schemeClr val="tx1"/>
-                </a:solidFill>
-                <a:latin typeface="Neris Thin" panose="00000300000000000000" pitchFamily="50" charset="0"/>
-                <a:ea typeface="+mn-ea"/>
-                <a:cs typeface="+mn-cs"/>
-              </a:defRPr>
-            </a:lvl2pPr>
-            <a:lvl3pPr marL="857250" indent="-171450" algn="l" defTabSz="685800" rtl="0" eaLnBrk="1" latinLnBrk="0" hangingPunct="1">
-              <a:lnSpc>
-                <a:spcPct val="90000"/>
-              </a:lnSpc>
-              <a:spcBef>
-                <a:spcPts val="375"/>
-              </a:spcBef>
-              <a:buFont typeface="Arial" pitchFamily="34" charset="0"/>
-              <a:buChar char="•"/>
-              <a:defRPr sz="1500" kern="1200">
-                <a:solidFill>
-                  <a:schemeClr val="tx1"/>
-                </a:solidFill>
-                <a:latin typeface="Neris Thin" panose="00000300000000000000" pitchFamily="50" charset="0"/>
-                <a:ea typeface="+mn-ea"/>
-                <a:cs typeface="+mn-cs"/>
-              </a:defRPr>
-            </a:lvl3pPr>
-            <a:lvl4pPr marL="1200150" indent="-171450" algn="l" defTabSz="685800" rtl="0" eaLnBrk="1" latinLnBrk="0" hangingPunct="1">
-              <a:lnSpc>
-                <a:spcPct val="90000"/>
-              </a:lnSpc>
-              <a:spcBef>
-                <a:spcPts val="375"/>
-              </a:spcBef>
-              <a:buFont typeface="Arial" pitchFamily="34" charset="0"/>
-              <a:buChar char="•"/>
-              <a:defRPr sz="1350" kern="1200">
-                <a:solidFill>
-                  <a:schemeClr val="tx1"/>
-                </a:solidFill>
-                <a:latin typeface="Neris Thin" panose="00000300000000000000" pitchFamily="50" charset="0"/>
-                <a:ea typeface="+mn-ea"/>
-                <a:cs typeface="+mn-cs"/>
-              </a:defRPr>
-            </a:lvl4pPr>
-            <a:lvl5pPr marL="1543050" indent="-171450" algn="l" defTabSz="685800" rtl="0" eaLnBrk="1" latinLnBrk="0" hangingPunct="1">
-              <a:lnSpc>
-                <a:spcPct val="90000"/>
-              </a:lnSpc>
-              <a:spcBef>
-                <a:spcPts val="375"/>
-              </a:spcBef>
-              <a:buFont typeface="Arial" pitchFamily="34" charset="0"/>
-              <a:buChar char="•"/>
-              <a:defRPr sz="1350" kern="1200">
-                <a:solidFill>
-                  <a:schemeClr val="tx1"/>
-                </a:solidFill>
-                <a:latin typeface="Neris Thin" panose="00000300000000000000" pitchFamily="50" charset="0"/>
-                <a:ea typeface="+mn-ea"/>
-                <a:cs typeface="+mn-cs"/>
-              </a:defRPr>
-            </a:lvl5pPr>
-            <a:lvl6pPr marL="1885950" indent="-171450" algn="l" defTabSz="685800" rtl="0" eaLnBrk="1" latinLnBrk="0" hangingPunct="1">
-              <a:lnSpc>
-                <a:spcPct val="90000"/>
-              </a:lnSpc>
-              <a:spcBef>
-                <a:spcPts val="375"/>
-              </a:spcBef>
-              <a:buFont typeface="Arial" pitchFamily="34" charset="0"/>
-              <a:buChar char="•"/>
-              <a:defRPr sz="1350" kern="1200">
-                <a:solidFill>
-                  <a:schemeClr val="tx1"/>
-                </a:solidFill>
-                <a:latin typeface="+mn-lt"/>
-                <a:ea typeface="+mn-ea"/>
-                <a:cs typeface="+mn-cs"/>
-              </a:defRPr>
-            </a:lvl6pPr>
-            <a:lvl7pPr marL="2228850" indent="-171450" algn="l" defTabSz="685800" rtl="0" eaLnBrk="1" latinLnBrk="0" hangingPunct="1">
-              <a:lnSpc>
-                <a:spcPct val="90000"/>
-              </a:lnSpc>
-              <a:spcBef>
-                <a:spcPts val="375"/>
-              </a:spcBef>
-              <a:buFont typeface="Arial" pitchFamily="34" charset="0"/>
-              <a:buChar char="•"/>
-              <a:defRPr sz="1350" kern="1200">
-                <a:solidFill>
-                  <a:schemeClr val="tx1"/>
-                </a:solidFill>
-                <a:latin typeface="+mn-lt"/>
-                <a:ea typeface="+mn-ea"/>
-                <a:cs typeface="+mn-cs"/>
-              </a:defRPr>
-            </a:lvl7pPr>
-            <a:lvl8pPr marL="2571750" indent="-171450" algn="l" defTabSz="685800" rtl="0" eaLnBrk="1" latinLnBrk="0" hangingPunct="1">
-              <a:lnSpc>
-                <a:spcPct val="90000"/>
-              </a:lnSpc>
-              <a:spcBef>
-                <a:spcPts val="375"/>
-              </a:spcBef>
-              <a:buFont typeface="Arial" pitchFamily="34" charset="0"/>
-              <a:buChar char="•"/>
-              <a:defRPr sz="1350" kern="1200">
-                <a:solidFill>
-                  <a:schemeClr val="tx1"/>
-                </a:solidFill>
-                <a:latin typeface="+mn-lt"/>
-                <a:ea typeface="+mn-ea"/>
-                <a:cs typeface="+mn-cs"/>
-              </a:defRPr>
-            </a:lvl8pPr>
-            <a:lvl9pPr marL="2914650" indent="-171450" algn="l" defTabSz="685800" rtl="0" eaLnBrk="1" latinLnBrk="0" hangingPunct="1">
-              <a:lnSpc>
-                <a:spcPct val="90000"/>
-              </a:lnSpc>
-              <a:spcBef>
-                <a:spcPts val="375"/>
-              </a:spcBef>
-              <a:buFont typeface="Arial" pitchFamily="34" charset="0"/>
-              <a:buChar char="•"/>
-              <a:defRPr sz="1350" kern="1200">
-                <a:solidFill>
-                  <a:schemeClr val="tx1"/>
-                </a:solidFill>
-                <a:latin typeface="+mn-lt"/>
-                <a:ea typeface="+mn-ea"/>
-                <a:cs typeface="+mn-cs"/>
-              </a:defRPr>
-            </a:lvl9pPr>
-          </a:lstStyle>
-          <a:p>
-            <a:pPr marL="0" lvl="0" indent="0">
-              <a:buNone/>
-            </a:pPr>
-            <a:r>
-              <a:rPr kumimoji="0" lang="zh-CN" altLang="en-US" sz="1600" b="1" i="0" u="none" strike="noStrike" kern="1200" cap="none" spc="0" normalizeH="0" baseline="0" noProof="0" dirty="0">
-                <a:ln>
-                  <a:noFill/>
-                </a:ln>
-                <a:solidFill>
-                  <a:schemeClr val="accent2"/>
-                </a:solidFill>
-                <a:effectLst/>
-                <a:uLnTx/>
-                <a:uFillTx/>
-                <a:latin typeface="+mn-lt"/>
-                <a:cs typeface="+mn-ea"/>
-                <a:sym typeface="+mn-lt"/>
-              </a:rPr>
-              <a:t>查看其他人的详情页，可以看见别人的分享的状态。如果非分享的状态是没有办法查看到的。</a:t>
-            </a:r>
-            <a:endParaRPr kumimoji="0" lang="en-US" altLang="zh-CN" sz="1600" b="1" i="0" u="none" strike="noStrike" kern="1200" cap="none" spc="0" normalizeH="0" baseline="0" noProof="0" dirty="0">
-              <a:ln>
-                <a:noFill/>
-              </a:ln>
-              <a:solidFill>
-                <a:schemeClr val="accent2"/>
-              </a:solidFill>
-              <a:effectLst/>
-              <a:uLnTx/>
-              <a:uFillTx/>
-              <a:latin typeface="+mn-lt"/>
-              <a:cs typeface="+mn-ea"/>
-              <a:sym typeface="+mn-lt"/>
-            </a:endParaRPr>
-          </a:p>
-          <a:p>
-            <a:pPr marL="0" lvl="0" indent="0">
-              <a:buNone/>
-            </a:pPr>
-            <a:endParaRPr lang="en-US" altLang="zh-CN" sz="1600" b="1" dirty="0">
-              <a:solidFill>
-                <a:schemeClr val="accent2"/>
-              </a:solidFill>
-              <a:latin typeface="+mn-lt"/>
-              <a:cs typeface="+mn-ea"/>
-              <a:sym typeface="+mn-lt"/>
-            </a:endParaRPr>
-          </a:p>
-          <a:p>
-            <a:pPr marL="0" lvl="0" indent="0">
-              <a:buNone/>
-            </a:pPr>
-            <a:r>
-              <a:rPr kumimoji="0" lang="zh-CN" altLang="en-US" sz="1600" b="1" i="0" u="none" strike="noStrike" kern="1200" cap="none" spc="0" normalizeH="0" baseline="0" noProof="0" dirty="0">
-                <a:ln>
-                  <a:noFill/>
-                </a:ln>
-                <a:solidFill>
-                  <a:schemeClr val="accent2"/>
-                </a:solidFill>
-                <a:effectLst/>
-                <a:uLnTx/>
-                <a:uFillTx/>
-                <a:latin typeface="+mn-lt"/>
-                <a:cs typeface="+mn-ea"/>
-                <a:sym typeface="+mn-lt"/>
-              </a:rPr>
-              <a:t>个人信息默认是折叠的也可以点击查看。然后点击右上角可以关注、取关某人。当然你是没有办法看见其他人的粉丝、关注的。我想没有</a:t>
-            </a:r>
-            <a:r>
-              <a:rPr kumimoji="0" lang="en-US" altLang="zh-CN" sz="1600" b="1" i="0" u="none" strike="noStrike" kern="1200" cap="none" spc="0" normalizeH="0" baseline="0" noProof="0" dirty="0">
-                <a:ln>
-                  <a:noFill/>
-                </a:ln>
-                <a:solidFill>
-                  <a:schemeClr val="accent2"/>
-                </a:solidFill>
-                <a:effectLst/>
-                <a:uLnTx/>
-                <a:uFillTx/>
-                <a:latin typeface="+mn-lt"/>
-                <a:cs typeface="+mn-ea"/>
-                <a:sym typeface="+mn-lt"/>
-              </a:rPr>
-              <a:t>app</a:t>
-            </a:r>
-            <a:r>
-              <a:rPr kumimoji="0" lang="zh-CN" altLang="en-US" sz="1600" b="1" i="0" u="none" strike="noStrike" kern="1200" cap="none" spc="0" normalizeH="0" baseline="0" noProof="0" dirty="0">
-                <a:ln>
-                  <a:noFill/>
-                </a:ln>
-                <a:solidFill>
-                  <a:schemeClr val="accent2"/>
-                </a:solidFill>
-                <a:effectLst/>
-                <a:uLnTx/>
-                <a:uFillTx/>
-                <a:latin typeface="+mn-lt"/>
-                <a:cs typeface="+mn-ea"/>
-                <a:sym typeface="+mn-lt"/>
-              </a:rPr>
-              <a:t>是允许的。</a:t>
-            </a:r>
-            <a:endParaRPr kumimoji="0" lang="en-US" altLang="zh-CN" sz="1600" b="1" i="0" u="none" strike="noStrike" kern="1200" cap="none" spc="0" normalizeH="0" baseline="0" noProof="0" dirty="0">
-              <a:ln>
-                <a:noFill/>
-              </a:ln>
-              <a:solidFill>
-                <a:schemeClr val="accent2"/>
-              </a:solidFill>
-              <a:effectLst/>
-              <a:uLnTx/>
-              <a:uFillTx/>
-              <a:latin typeface="+mn-lt"/>
-              <a:cs typeface="+mn-ea"/>
-              <a:sym typeface="+mn-lt"/>
-            </a:endParaRPr>
-          </a:p>
-        </p:txBody>
-      </p:sp>
-      <p:pic>
-        <p:nvPicPr>
-          <p:cNvPr id="3" name="图片 2">
-            <a:extLst>
-              <a:ext uri="{FF2B5EF4-FFF2-40B4-BE49-F238E27FC236}">
-                <a16:creationId xmlns:a16="http://schemas.microsoft.com/office/drawing/2014/main" id="{25279141-E1DA-4E47-A2EB-63C6E452BE47}"/>
-              </a:ext>
-            </a:extLst>
-          </p:cNvPr>
-          <p:cNvPicPr>
-            <a:picLocks noChangeAspect="1"/>
-          </p:cNvPicPr>
-          <p:nvPr/>
-        </p:nvPicPr>
-        <p:blipFill>
-          <a:blip r:embed="rId2"/>
-          <a:stretch>
-            <a:fillRect/>
-          </a:stretch>
-        </p:blipFill>
-        <p:spPr>
-          <a:xfrm>
-            <a:off x="250759" y="922454"/>
-            <a:ext cx="3419904" cy="5764519"/>
-          </a:xfrm>
-          <a:prstGeom prst="rect">
-            <a:avLst/>
-          </a:prstGeom>
-        </p:spPr>
-      </p:pic>
-      <p:pic>
-        <p:nvPicPr>
-          <p:cNvPr id="7" name="图片 6">
-            <a:extLst>
-              <a:ext uri="{FF2B5EF4-FFF2-40B4-BE49-F238E27FC236}">
-                <a16:creationId xmlns:a16="http://schemas.microsoft.com/office/drawing/2014/main" id="{01390DCF-FE4C-4C0E-AE24-0B7C8EEDE9EA}"/>
-              </a:ext>
-            </a:extLst>
-          </p:cNvPr>
-          <p:cNvPicPr>
-            <a:picLocks noChangeAspect="1"/>
-          </p:cNvPicPr>
-          <p:nvPr/>
-        </p:nvPicPr>
-        <p:blipFill>
-          <a:blip r:embed="rId3"/>
-          <a:stretch>
-            <a:fillRect/>
-          </a:stretch>
-        </p:blipFill>
-        <p:spPr>
-          <a:xfrm>
-            <a:off x="3670663" y="922454"/>
-            <a:ext cx="3357991" cy="5849403"/>
-          </a:xfrm>
-          <a:prstGeom prst="rect">
-            <a:avLst/>
-          </a:prstGeom>
-        </p:spPr>
-      </p:pic>
-    </p:spTree>
-    <p:extLst>
-      <p:ext uri="{BB962C8B-B14F-4D97-AF65-F5344CB8AC3E}">
-        <p14:creationId xmlns:p14="http://schemas.microsoft.com/office/powerpoint/2010/main" val="3201807638"/>
       </p:ext>
     </p:extLst>
   </p:cSld>
@@ -10592,6 +10263,607 @@
                 <a:cs typeface="+mn-ea"/>
                 <a:sym typeface="+mn-lt"/>
               </a:rPr>
+              <a:t>查看他人信息</a:t>
+            </a:r>
+          </a:p>
+        </p:txBody>
+      </p:sp>
+      <p:sp>
+        <p:nvSpPr>
+          <p:cNvPr id="6" name="Text Placeholder 33">
+            <a:extLst>
+              <a:ext uri="{FF2B5EF4-FFF2-40B4-BE49-F238E27FC236}">
+                <a16:creationId xmlns:a16="http://schemas.microsoft.com/office/drawing/2014/main" id="{A1BB187D-844C-4100-BA54-3C6D0820758E}"/>
+              </a:ext>
+            </a:extLst>
+          </p:cNvPr>
+          <p:cNvSpPr txBox="1"/>
+          <p:nvPr/>
+        </p:nvSpPr>
+        <p:spPr>
+          <a:xfrm>
+            <a:off x="7276095" y="782366"/>
+            <a:ext cx="4663711" cy="4556252"/>
+          </a:xfrm>
+          <a:prstGeom prst="rect">
+            <a:avLst/>
+          </a:prstGeom>
+        </p:spPr>
+        <p:txBody>
+          <a:bodyPr lIns="0" tIns="0" rIns="0" bIns="0"/>
+          <a:lstStyle>
+            <a:lvl1pPr marL="171450" indent="-171450" algn="l" defTabSz="685800" rtl="0" eaLnBrk="1" latinLnBrk="0" hangingPunct="1">
+              <a:lnSpc>
+                <a:spcPct val="90000"/>
+              </a:lnSpc>
+              <a:spcBef>
+                <a:spcPts val="750"/>
+              </a:spcBef>
+              <a:buFont typeface="Arial" pitchFamily="34" charset="0"/>
+              <a:buChar char="•"/>
+              <a:defRPr sz="2100" kern="1200">
+                <a:solidFill>
+                  <a:schemeClr val="tx1"/>
+                </a:solidFill>
+                <a:latin typeface="Neris Thin" panose="00000300000000000000" pitchFamily="50" charset="0"/>
+                <a:ea typeface="+mn-ea"/>
+                <a:cs typeface="+mn-cs"/>
+              </a:defRPr>
+            </a:lvl1pPr>
+            <a:lvl2pPr marL="514350" indent="-171450" algn="l" defTabSz="685800" rtl="0" eaLnBrk="1" latinLnBrk="0" hangingPunct="1">
+              <a:lnSpc>
+                <a:spcPct val="90000"/>
+              </a:lnSpc>
+              <a:spcBef>
+                <a:spcPts val="375"/>
+              </a:spcBef>
+              <a:buFont typeface="Arial" pitchFamily="34" charset="0"/>
+              <a:buChar char="•"/>
+              <a:defRPr sz="1800" kern="1200">
+                <a:solidFill>
+                  <a:schemeClr val="tx1"/>
+                </a:solidFill>
+                <a:latin typeface="Neris Thin" panose="00000300000000000000" pitchFamily="50" charset="0"/>
+                <a:ea typeface="+mn-ea"/>
+                <a:cs typeface="+mn-cs"/>
+              </a:defRPr>
+            </a:lvl2pPr>
+            <a:lvl3pPr marL="857250" indent="-171450" algn="l" defTabSz="685800" rtl="0" eaLnBrk="1" latinLnBrk="0" hangingPunct="1">
+              <a:lnSpc>
+                <a:spcPct val="90000"/>
+              </a:lnSpc>
+              <a:spcBef>
+                <a:spcPts val="375"/>
+              </a:spcBef>
+              <a:buFont typeface="Arial" pitchFamily="34" charset="0"/>
+              <a:buChar char="•"/>
+              <a:defRPr sz="1500" kern="1200">
+                <a:solidFill>
+                  <a:schemeClr val="tx1"/>
+                </a:solidFill>
+                <a:latin typeface="Neris Thin" panose="00000300000000000000" pitchFamily="50" charset="0"/>
+                <a:ea typeface="+mn-ea"/>
+                <a:cs typeface="+mn-cs"/>
+              </a:defRPr>
+            </a:lvl3pPr>
+            <a:lvl4pPr marL="1200150" indent="-171450" algn="l" defTabSz="685800" rtl="0" eaLnBrk="1" latinLnBrk="0" hangingPunct="1">
+              <a:lnSpc>
+                <a:spcPct val="90000"/>
+              </a:lnSpc>
+              <a:spcBef>
+                <a:spcPts val="375"/>
+              </a:spcBef>
+              <a:buFont typeface="Arial" pitchFamily="34" charset="0"/>
+              <a:buChar char="•"/>
+              <a:defRPr sz="1350" kern="1200">
+                <a:solidFill>
+                  <a:schemeClr val="tx1"/>
+                </a:solidFill>
+                <a:latin typeface="Neris Thin" panose="00000300000000000000" pitchFamily="50" charset="0"/>
+                <a:ea typeface="+mn-ea"/>
+                <a:cs typeface="+mn-cs"/>
+              </a:defRPr>
+            </a:lvl4pPr>
+            <a:lvl5pPr marL="1543050" indent="-171450" algn="l" defTabSz="685800" rtl="0" eaLnBrk="1" latinLnBrk="0" hangingPunct="1">
+              <a:lnSpc>
+                <a:spcPct val="90000"/>
+              </a:lnSpc>
+              <a:spcBef>
+                <a:spcPts val="375"/>
+              </a:spcBef>
+              <a:buFont typeface="Arial" pitchFamily="34" charset="0"/>
+              <a:buChar char="•"/>
+              <a:defRPr sz="1350" kern="1200">
+                <a:solidFill>
+                  <a:schemeClr val="tx1"/>
+                </a:solidFill>
+                <a:latin typeface="Neris Thin" panose="00000300000000000000" pitchFamily="50" charset="0"/>
+                <a:ea typeface="+mn-ea"/>
+                <a:cs typeface="+mn-cs"/>
+              </a:defRPr>
+            </a:lvl5pPr>
+            <a:lvl6pPr marL="1885950" indent="-171450" algn="l" defTabSz="685800" rtl="0" eaLnBrk="1" latinLnBrk="0" hangingPunct="1">
+              <a:lnSpc>
+                <a:spcPct val="90000"/>
+              </a:lnSpc>
+              <a:spcBef>
+                <a:spcPts val="375"/>
+              </a:spcBef>
+              <a:buFont typeface="Arial" pitchFamily="34" charset="0"/>
+              <a:buChar char="•"/>
+              <a:defRPr sz="1350" kern="1200">
+                <a:solidFill>
+                  <a:schemeClr val="tx1"/>
+                </a:solidFill>
+                <a:latin typeface="+mn-lt"/>
+                <a:ea typeface="+mn-ea"/>
+                <a:cs typeface="+mn-cs"/>
+              </a:defRPr>
+            </a:lvl6pPr>
+            <a:lvl7pPr marL="2228850" indent="-171450" algn="l" defTabSz="685800" rtl="0" eaLnBrk="1" latinLnBrk="0" hangingPunct="1">
+              <a:lnSpc>
+                <a:spcPct val="90000"/>
+              </a:lnSpc>
+              <a:spcBef>
+                <a:spcPts val="375"/>
+              </a:spcBef>
+              <a:buFont typeface="Arial" pitchFamily="34" charset="0"/>
+              <a:buChar char="•"/>
+              <a:defRPr sz="1350" kern="1200">
+                <a:solidFill>
+                  <a:schemeClr val="tx1"/>
+                </a:solidFill>
+                <a:latin typeface="+mn-lt"/>
+                <a:ea typeface="+mn-ea"/>
+                <a:cs typeface="+mn-cs"/>
+              </a:defRPr>
+            </a:lvl7pPr>
+            <a:lvl8pPr marL="2571750" indent="-171450" algn="l" defTabSz="685800" rtl="0" eaLnBrk="1" latinLnBrk="0" hangingPunct="1">
+              <a:lnSpc>
+                <a:spcPct val="90000"/>
+              </a:lnSpc>
+              <a:spcBef>
+                <a:spcPts val="375"/>
+              </a:spcBef>
+              <a:buFont typeface="Arial" pitchFamily="34" charset="0"/>
+              <a:buChar char="•"/>
+              <a:defRPr sz="1350" kern="1200">
+                <a:solidFill>
+                  <a:schemeClr val="tx1"/>
+                </a:solidFill>
+                <a:latin typeface="+mn-lt"/>
+                <a:ea typeface="+mn-ea"/>
+                <a:cs typeface="+mn-cs"/>
+              </a:defRPr>
+            </a:lvl8pPr>
+            <a:lvl9pPr marL="2914650" indent="-171450" algn="l" defTabSz="685800" rtl="0" eaLnBrk="1" latinLnBrk="0" hangingPunct="1">
+              <a:lnSpc>
+                <a:spcPct val="90000"/>
+              </a:lnSpc>
+              <a:spcBef>
+                <a:spcPts val="375"/>
+              </a:spcBef>
+              <a:buFont typeface="Arial" pitchFamily="34" charset="0"/>
+              <a:buChar char="•"/>
+              <a:defRPr sz="1350" kern="1200">
+                <a:solidFill>
+                  <a:schemeClr val="tx1"/>
+                </a:solidFill>
+                <a:latin typeface="+mn-lt"/>
+                <a:ea typeface="+mn-ea"/>
+                <a:cs typeface="+mn-cs"/>
+              </a:defRPr>
+            </a:lvl9pPr>
+          </a:lstStyle>
+          <a:p>
+            <a:pPr marL="0" lvl="0" indent="0">
+              <a:buNone/>
+            </a:pPr>
+            <a:r>
+              <a:rPr kumimoji="0" lang="zh-CN" altLang="en-US" sz="1600" b="1" i="0" u="none" strike="noStrike" kern="1200" cap="none" spc="0" normalizeH="0" baseline="0" noProof="0" dirty="0">
+                <a:ln>
+                  <a:noFill/>
+                </a:ln>
+                <a:solidFill>
+                  <a:schemeClr val="accent2"/>
+                </a:solidFill>
+                <a:effectLst/>
+                <a:uLnTx/>
+                <a:uFillTx/>
+                <a:latin typeface="+mn-lt"/>
+                <a:cs typeface="+mn-ea"/>
+                <a:sym typeface="+mn-lt"/>
+              </a:rPr>
+              <a:t>查看其他人的详情页，可以看见别人的分享的状态。如果非分享的状态是没有办法查看到的。</a:t>
+            </a:r>
+            <a:endParaRPr kumimoji="0" lang="en-US" altLang="zh-CN" sz="1600" b="1" i="0" u="none" strike="noStrike" kern="1200" cap="none" spc="0" normalizeH="0" baseline="0" noProof="0" dirty="0">
+              <a:ln>
+                <a:noFill/>
+              </a:ln>
+              <a:solidFill>
+                <a:schemeClr val="accent2"/>
+              </a:solidFill>
+              <a:effectLst/>
+              <a:uLnTx/>
+              <a:uFillTx/>
+              <a:latin typeface="+mn-lt"/>
+              <a:cs typeface="+mn-ea"/>
+              <a:sym typeface="+mn-lt"/>
+            </a:endParaRPr>
+          </a:p>
+          <a:p>
+            <a:pPr marL="0" lvl="0" indent="0">
+              <a:buNone/>
+            </a:pPr>
+            <a:endParaRPr lang="en-US" altLang="zh-CN" sz="1600" b="1" dirty="0">
+              <a:solidFill>
+                <a:schemeClr val="accent2"/>
+              </a:solidFill>
+              <a:latin typeface="+mn-lt"/>
+              <a:cs typeface="+mn-ea"/>
+              <a:sym typeface="+mn-lt"/>
+            </a:endParaRPr>
+          </a:p>
+          <a:p>
+            <a:pPr marL="0" lvl="0" indent="0">
+              <a:buNone/>
+            </a:pPr>
+            <a:r>
+              <a:rPr kumimoji="0" lang="zh-CN" altLang="en-US" sz="1600" b="1" i="0" u="none" strike="noStrike" kern="1200" cap="none" spc="0" normalizeH="0" baseline="0" noProof="0" dirty="0">
+                <a:ln>
+                  <a:noFill/>
+                </a:ln>
+                <a:solidFill>
+                  <a:schemeClr val="accent2"/>
+                </a:solidFill>
+                <a:effectLst/>
+                <a:uLnTx/>
+                <a:uFillTx/>
+                <a:latin typeface="+mn-lt"/>
+                <a:cs typeface="+mn-ea"/>
+                <a:sym typeface="+mn-lt"/>
+              </a:rPr>
+              <a:t>个人信息默认是折叠的也可以点击查看。然后点击右上角可以关注、取关某人。当然你是没有办法看见其他人的粉丝、关注的。我想没有</a:t>
+            </a:r>
+            <a:r>
+              <a:rPr kumimoji="0" lang="en-US" altLang="zh-CN" sz="1600" b="1" i="0" u="none" strike="noStrike" kern="1200" cap="none" spc="0" normalizeH="0" baseline="0" noProof="0" dirty="0">
+                <a:ln>
+                  <a:noFill/>
+                </a:ln>
+                <a:solidFill>
+                  <a:schemeClr val="accent2"/>
+                </a:solidFill>
+                <a:effectLst/>
+                <a:uLnTx/>
+                <a:uFillTx/>
+                <a:latin typeface="+mn-lt"/>
+                <a:cs typeface="+mn-ea"/>
+                <a:sym typeface="+mn-lt"/>
+              </a:rPr>
+              <a:t>app</a:t>
+            </a:r>
+            <a:r>
+              <a:rPr kumimoji="0" lang="zh-CN" altLang="en-US" sz="1600" b="1" i="0" u="none" strike="noStrike" kern="1200" cap="none" spc="0" normalizeH="0" baseline="0" noProof="0" dirty="0">
+                <a:ln>
+                  <a:noFill/>
+                </a:ln>
+                <a:solidFill>
+                  <a:schemeClr val="accent2"/>
+                </a:solidFill>
+                <a:effectLst/>
+                <a:uLnTx/>
+                <a:uFillTx/>
+                <a:latin typeface="+mn-lt"/>
+                <a:cs typeface="+mn-ea"/>
+                <a:sym typeface="+mn-lt"/>
+              </a:rPr>
+              <a:t>是允许的。</a:t>
+            </a:r>
+            <a:endParaRPr kumimoji="0" lang="en-US" altLang="zh-CN" sz="1600" b="1" i="0" u="none" strike="noStrike" kern="1200" cap="none" spc="0" normalizeH="0" baseline="0" noProof="0" dirty="0">
+              <a:ln>
+                <a:noFill/>
+              </a:ln>
+              <a:solidFill>
+                <a:schemeClr val="accent2"/>
+              </a:solidFill>
+              <a:effectLst/>
+              <a:uLnTx/>
+              <a:uFillTx/>
+              <a:latin typeface="+mn-lt"/>
+              <a:cs typeface="+mn-ea"/>
+              <a:sym typeface="+mn-lt"/>
+            </a:endParaRPr>
+          </a:p>
+        </p:txBody>
+      </p:sp>
+      <p:pic>
+        <p:nvPicPr>
+          <p:cNvPr id="3" name="图片 2">
+            <a:extLst>
+              <a:ext uri="{FF2B5EF4-FFF2-40B4-BE49-F238E27FC236}">
+                <a16:creationId xmlns:a16="http://schemas.microsoft.com/office/drawing/2014/main" id="{25279141-E1DA-4E47-A2EB-63C6E452BE47}"/>
+              </a:ext>
+            </a:extLst>
+          </p:cNvPr>
+          <p:cNvPicPr>
+            <a:picLocks noChangeAspect="1"/>
+          </p:cNvPicPr>
+          <p:nvPr/>
+        </p:nvPicPr>
+        <p:blipFill>
+          <a:blip r:embed="rId2"/>
+          <a:stretch>
+            <a:fillRect/>
+          </a:stretch>
+        </p:blipFill>
+        <p:spPr>
+          <a:xfrm>
+            <a:off x="250759" y="922454"/>
+            <a:ext cx="3419904" cy="5764519"/>
+          </a:xfrm>
+          <a:prstGeom prst="rect">
+            <a:avLst/>
+          </a:prstGeom>
+        </p:spPr>
+      </p:pic>
+      <p:pic>
+        <p:nvPicPr>
+          <p:cNvPr id="7" name="图片 6">
+            <a:extLst>
+              <a:ext uri="{FF2B5EF4-FFF2-40B4-BE49-F238E27FC236}">
+                <a16:creationId xmlns:a16="http://schemas.microsoft.com/office/drawing/2014/main" id="{01390DCF-FE4C-4C0E-AE24-0B7C8EEDE9EA}"/>
+              </a:ext>
+            </a:extLst>
+          </p:cNvPr>
+          <p:cNvPicPr>
+            <a:picLocks noChangeAspect="1"/>
+          </p:cNvPicPr>
+          <p:nvPr/>
+        </p:nvPicPr>
+        <p:blipFill>
+          <a:blip r:embed="rId3"/>
+          <a:stretch>
+            <a:fillRect/>
+          </a:stretch>
+        </p:blipFill>
+        <p:spPr>
+          <a:xfrm>
+            <a:off x="3670663" y="922454"/>
+            <a:ext cx="3357991" cy="5849403"/>
+          </a:xfrm>
+          <a:prstGeom prst="rect">
+            <a:avLst/>
+          </a:prstGeom>
+        </p:spPr>
+      </p:pic>
+    </p:spTree>
+    <p:extLst>
+      <p:ext uri="{BB962C8B-B14F-4D97-AF65-F5344CB8AC3E}">
+        <p14:creationId xmlns:p14="http://schemas.microsoft.com/office/powerpoint/2010/main" val="3201807638"/>
+      </p:ext>
+    </p:extLst>
+  </p:cSld>
+  <p:clrMapOvr>
+    <a:masterClrMapping/>
+  </p:clrMapOvr>
+</p:sld>
+</file>
+
+<file path=ppt/slides/slide21.xml><?xml version="1.0" encoding="utf-8"?>
+<p:sld xmlns:a="http://schemas.openxmlformats.org/drawingml/2006/main" xmlns:r="http://schemas.openxmlformats.org/officeDocument/2006/relationships" xmlns:p="http://schemas.openxmlformats.org/presentationml/2006/main">
+  <p:cSld>
+    <p:spTree>
+      <p:nvGrpSpPr>
+        <p:cNvPr id="1" name=""/>
+        <p:cNvGrpSpPr/>
+        <p:nvPr/>
+      </p:nvGrpSpPr>
+      <p:grpSpPr>
+        <a:xfrm>
+          <a:off x="0" y="0"/>
+          <a:ext cx="0" cy="0"/>
+          <a:chOff x="0" y="0"/>
+          <a:chExt cx="0" cy="0"/>
+        </a:xfrm>
+      </p:grpSpPr>
+      <p:sp>
+        <p:nvSpPr>
+          <p:cNvPr id="27" name="文本占位符 17"/>
+          <p:cNvSpPr txBox="1">
+            <a:spLocks/>
+          </p:cNvSpPr>
+          <p:nvPr/>
+        </p:nvSpPr>
+        <p:spPr>
+          <a:xfrm>
+            <a:off x="252193" y="505633"/>
+            <a:ext cx="3817473" cy="416822"/>
+          </a:xfrm>
+          <a:prstGeom prst="rect">
+            <a:avLst/>
+          </a:prstGeom>
+        </p:spPr>
+        <p:txBody>
+          <a:bodyPr/>
+          <a:lstStyle>
+            <a:lvl1pPr marL="228600" indent="-228600" algn="l" defTabSz="914400" rtl="0" eaLnBrk="1" latinLnBrk="0" hangingPunct="1">
+              <a:lnSpc>
+                <a:spcPct val="90000"/>
+              </a:lnSpc>
+              <a:spcBef>
+                <a:spcPts val="1000"/>
+              </a:spcBef>
+              <a:buFont typeface="Arial" panose="020B0604020202020204" pitchFamily="34" charset="0"/>
+              <a:buChar char="•"/>
+              <a:defRPr lang="en-US" sz="2400" kern="1200" dirty="0" smtClean="0">
+                <a:solidFill>
+                  <a:schemeClr val="tx1"/>
+                </a:solidFill>
+                <a:effectLst/>
+                <a:latin typeface="Lato" panose="020F0502020204030203" pitchFamily="34" charset="0"/>
+                <a:ea typeface="+mn-ea"/>
+                <a:cs typeface="+mn-cs"/>
+              </a:defRPr>
+            </a:lvl1pPr>
+            <a:lvl2pPr marL="685800" indent="-228600" algn="l" defTabSz="914400" rtl="0" eaLnBrk="1" latinLnBrk="0" hangingPunct="1">
+              <a:lnSpc>
+                <a:spcPct val="90000"/>
+              </a:lnSpc>
+              <a:spcBef>
+                <a:spcPts val="500"/>
+              </a:spcBef>
+              <a:buFont typeface="Arial" panose="020B0604020202020204" pitchFamily="34" charset="0"/>
+              <a:buChar char="•"/>
+              <a:defRPr lang="en-US" sz="2000" kern="1200" dirty="0" smtClean="0">
+                <a:solidFill>
+                  <a:schemeClr val="tx1"/>
+                </a:solidFill>
+                <a:effectLst/>
+                <a:latin typeface="Lato" panose="020F0502020204030203" pitchFamily="34" charset="0"/>
+                <a:ea typeface="+mn-ea"/>
+                <a:cs typeface="+mn-cs"/>
+              </a:defRPr>
+            </a:lvl2pPr>
+            <a:lvl3pPr marL="1143000" indent="-228600" algn="l" defTabSz="914400" rtl="0" eaLnBrk="1" latinLnBrk="0" hangingPunct="1">
+              <a:lnSpc>
+                <a:spcPct val="90000"/>
+              </a:lnSpc>
+              <a:spcBef>
+                <a:spcPts val="500"/>
+              </a:spcBef>
+              <a:buFont typeface="Arial" panose="020B0604020202020204" pitchFamily="34" charset="0"/>
+              <a:buChar char="•"/>
+              <a:defRPr lang="en-US" sz="1800" kern="1200" dirty="0" smtClean="0">
+                <a:solidFill>
+                  <a:schemeClr val="tx1"/>
+                </a:solidFill>
+                <a:effectLst/>
+                <a:latin typeface="Lato" panose="020F0502020204030203" pitchFamily="34" charset="0"/>
+                <a:ea typeface="+mn-ea"/>
+                <a:cs typeface="+mn-cs"/>
+              </a:defRPr>
+            </a:lvl3pPr>
+            <a:lvl4pPr marL="1600200" indent="-228600" algn="l" defTabSz="914400" rtl="0" eaLnBrk="1" latinLnBrk="0" hangingPunct="1">
+              <a:lnSpc>
+                <a:spcPct val="90000"/>
+              </a:lnSpc>
+              <a:spcBef>
+                <a:spcPts val="500"/>
+              </a:spcBef>
+              <a:buFont typeface="Arial" panose="020B0604020202020204" pitchFamily="34" charset="0"/>
+              <a:buChar char="•"/>
+              <a:defRPr lang="en-US" sz="1600" kern="1200" dirty="0" smtClean="0">
+                <a:solidFill>
+                  <a:schemeClr val="tx1"/>
+                </a:solidFill>
+                <a:effectLst/>
+                <a:latin typeface="Lato" panose="020F0502020204030203" pitchFamily="34" charset="0"/>
+                <a:ea typeface="+mn-ea"/>
+                <a:cs typeface="+mn-cs"/>
+              </a:defRPr>
+            </a:lvl4pPr>
+            <a:lvl5pPr marL="2057400" indent="-228600" algn="l" defTabSz="914400" rtl="0" eaLnBrk="1" latinLnBrk="0" hangingPunct="1">
+              <a:lnSpc>
+                <a:spcPct val="90000"/>
+              </a:lnSpc>
+              <a:spcBef>
+                <a:spcPts val="500"/>
+              </a:spcBef>
+              <a:buFont typeface="Arial" panose="020B0604020202020204" pitchFamily="34" charset="0"/>
+              <a:buChar char="•"/>
+              <a:defRPr lang="en-US" sz="1600" kern="1200" dirty="0">
+                <a:solidFill>
+                  <a:schemeClr val="tx1"/>
+                </a:solidFill>
+                <a:effectLst/>
+                <a:latin typeface="Lato" panose="020F0502020204030203" pitchFamily="34" charset="0"/>
+                <a:ea typeface="+mn-ea"/>
+                <a:cs typeface="+mn-cs"/>
+              </a:defRPr>
+            </a:lvl5pPr>
+            <a:lvl6pPr marL="2514600" indent="-228600" algn="l" defTabSz="914400" rtl="0" eaLnBrk="1" latinLnBrk="0" hangingPunct="1">
+              <a:lnSpc>
+                <a:spcPct val="90000"/>
+              </a:lnSpc>
+              <a:spcBef>
+                <a:spcPts val="500"/>
+              </a:spcBef>
+              <a:buFont typeface="Arial" panose="020B0604020202020204" pitchFamily="34" charset="0"/>
+              <a:buChar char="•"/>
+              <a:defRPr sz="1800" kern="1200">
+                <a:solidFill>
+                  <a:schemeClr val="tx1"/>
+                </a:solidFill>
+                <a:latin typeface="+mn-lt"/>
+                <a:ea typeface="+mn-ea"/>
+                <a:cs typeface="+mn-cs"/>
+              </a:defRPr>
+            </a:lvl6pPr>
+            <a:lvl7pPr marL="2971800" indent="-228600" algn="l" defTabSz="914400" rtl="0" eaLnBrk="1" latinLnBrk="0" hangingPunct="1">
+              <a:lnSpc>
+                <a:spcPct val="90000"/>
+              </a:lnSpc>
+              <a:spcBef>
+                <a:spcPts val="500"/>
+              </a:spcBef>
+              <a:buFont typeface="Arial" panose="020B0604020202020204" pitchFamily="34" charset="0"/>
+              <a:buChar char="•"/>
+              <a:defRPr sz="1800" kern="1200">
+                <a:solidFill>
+                  <a:schemeClr val="tx1"/>
+                </a:solidFill>
+                <a:latin typeface="+mn-lt"/>
+                <a:ea typeface="+mn-ea"/>
+                <a:cs typeface="+mn-cs"/>
+              </a:defRPr>
+            </a:lvl7pPr>
+            <a:lvl8pPr marL="3429000" indent="-228600" algn="l" defTabSz="914400" rtl="0" eaLnBrk="1" latinLnBrk="0" hangingPunct="1">
+              <a:lnSpc>
+                <a:spcPct val="90000"/>
+              </a:lnSpc>
+              <a:spcBef>
+                <a:spcPts val="500"/>
+              </a:spcBef>
+              <a:buFont typeface="Arial" panose="020B0604020202020204" pitchFamily="34" charset="0"/>
+              <a:buChar char="•"/>
+              <a:defRPr sz="1800" kern="1200">
+                <a:solidFill>
+                  <a:schemeClr val="tx1"/>
+                </a:solidFill>
+                <a:latin typeface="+mn-lt"/>
+                <a:ea typeface="+mn-ea"/>
+                <a:cs typeface="+mn-cs"/>
+              </a:defRPr>
+            </a:lvl8pPr>
+            <a:lvl9pPr marL="3886200" indent="-228600" algn="l" defTabSz="914400" rtl="0" eaLnBrk="1" latinLnBrk="0" hangingPunct="1">
+              <a:lnSpc>
+                <a:spcPct val="90000"/>
+              </a:lnSpc>
+              <a:spcBef>
+                <a:spcPts val="500"/>
+              </a:spcBef>
+              <a:buFont typeface="Arial" panose="020B0604020202020204" pitchFamily="34" charset="0"/>
+              <a:buChar char="•"/>
+              <a:defRPr sz="1800" kern="1200">
+                <a:solidFill>
+                  <a:schemeClr val="tx1"/>
+                </a:solidFill>
+                <a:latin typeface="+mn-lt"/>
+                <a:ea typeface="+mn-ea"/>
+                <a:cs typeface="+mn-cs"/>
+              </a:defRPr>
+            </a:lvl9pPr>
+          </a:lstStyle>
+          <a:p>
+            <a:pPr marL="0" indent="0">
+              <a:buNone/>
+            </a:pPr>
+            <a:r>
+              <a:rPr lang="zh-CN" altLang="en-US" sz="2000" dirty="0">
+                <a:latin typeface="+mn-lt"/>
+                <a:cs typeface="+mn-ea"/>
+                <a:sym typeface="+mn-lt"/>
+              </a:rPr>
               <a:t>管理页面</a:t>
             </a:r>
           </a:p>
@@ -11046,7 +11318,7 @@
 </p:sld>
 </file>
 
-<file path=ppt/slides/slide21.xml><?xml version="1.0" encoding="utf-8"?>
+<file path=ppt/slides/slide22.xml><?xml version="1.0" encoding="utf-8"?>
 <p:sld xmlns:a="http://schemas.openxmlformats.org/drawingml/2006/main" xmlns:r="http://schemas.openxmlformats.org/officeDocument/2006/relationships" xmlns:p="http://schemas.openxmlformats.org/presentationml/2006/main">
   <p:cSld>
     <p:spTree>
@@ -11764,7 +12036,7 @@
 </p:sld>
 </file>
 
-<file path=ppt/slides/slide22.xml><?xml version="1.0" encoding="utf-8"?>
+<file path=ppt/slides/slide23.xml><?xml version="1.0" encoding="utf-8"?>
 <p:sld xmlns:a="http://schemas.openxmlformats.org/drawingml/2006/main" xmlns:r="http://schemas.openxmlformats.org/officeDocument/2006/relationships" xmlns:p="http://schemas.openxmlformats.org/presentationml/2006/main">
   <p:cSld>
     <p:spTree>
@@ -11844,7 +12116,7 @@
               <a:pPr>
                 <a:defRPr/>
               </a:pPr>
-              <a:t>22</a:t>
+              <a:t>23</a:t>
             </a:fld>
             <a:endParaRPr lang="en-US" dirty="0">
               <a:solidFill>
@@ -12184,7 +12456,7 @@
 </p:sld>
 </file>
 
-<file path=ppt/slides/slide23.xml><?xml version="1.0" encoding="utf-8"?>
+<file path=ppt/slides/slide24.xml><?xml version="1.0" encoding="utf-8"?>
 <p:sld xmlns:a="http://schemas.openxmlformats.org/drawingml/2006/main" xmlns:r="http://schemas.openxmlformats.org/officeDocument/2006/relationships" xmlns:p="http://schemas.openxmlformats.org/presentationml/2006/main">
   <p:cSld>
     <p:spTree>
@@ -12264,7 +12536,7 @@
               <a:pPr>
                 <a:defRPr/>
               </a:pPr>
-              <a:t>23</a:t>
+              <a:t>24</a:t>
             </a:fld>
             <a:endParaRPr lang="en-US" dirty="0">
               <a:solidFill>
@@ -12544,7 +12816,7 @@
 </p:sld>
 </file>
 
-<file path=ppt/slides/slide24.xml><?xml version="1.0" encoding="utf-8"?>
+<file path=ppt/slides/slide25.xml><?xml version="1.0" encoding="utf-8"?>
 <p:sld xmlns:a="http://schemas.openxmlformats.org/drawingml/2006/main" xmlns:r="http://schemas.openxmlformats.org/officeDocument/2006/relationships" xmlns:p="http://schemas.openxmlformats.org/presentationml/2006/main">
   <p:cSld>
     <p:spTree>
@@ -12624,7 +12896,7 @@
               <a:pPr>
                 <a:defRPr/>
               </a:pPr>
-              <a:t>24</a:t>
+              <a:t>25</a:t>
             </a:fld>
             <a:endParaRPr lang="en-US" dirty="0">
               <a:solidFill>
@@ -13113,7 +13385,7 @@
 </p:sld>
 </file>
 
-<file path=ppt/slides/slide25.xml><?xml version="1.0" encoding="utf-8"?>
+<file path=ppt/slides/slide26.xml><?xml version="1.0" encoding="utf-8"?>
 <p:sld xmlns:a="http://schemas.openxmlformats.org/drawingml/2006/main" xmlns:r="http://schemas.openxmlformats.org/officeDocument/2006/relationships" xmlns:p="http://schemas.openxmlformats.org/presentationml/2006/main">
   <p:cSld>
     <p:spTree>
@@ -13193,7 +13465,7 @@
               <a:pPr>
                 <a:defRPr/>
               </a:pPr>
-              <a:t>25</a:t>
+              <a:t>26</a:t>
             </a:fld>
             <a:endParaRPr lang="en-US" dirty="0">
               <a:solidFill>
@@ -13596,7 +13868,7 @@
 </p:sld>
 </file>
 
-<file path=ppt/slides/slide26.xml><?xml version="1.0" encoding="utf-8"?>
+<file path=ppt/slides/slide27.xml><?xml version="1.0" encoding="utf-8"?>
 <p:sld xmlns:a="http://schemas.openxmlformats.org/drawingml/2006/main" xmlns:r="http://schemas.openxmlformats.org/officeDocument/2006/relationships" xmlns:p="http://schemas.openxmlformats.org/presentationml/2006/main">
   <p:cSld>
     <p:spTree>
@@ -13676,7 +13948,7 @@
               <a:pPr>
                 <a:defRPr/>
               </a:pPr>
-              <a:t>26</a:t>
+              <a:t>27</a:t>
             </a:fld>
             <a:endParaRPr lang="en-US" dirty="0">
               <a:solidFill>
@@ -14023,7 +14295,7 @@
 </p:sld>
 </file>
 
-<file path=ppt/slides/slide27.xml><?xml version="1.0" encoding="utf-8"?>
+<file path=ppt/slides/slide28.xml><?xml version="1.0" encoding="utf-8"?>
 <p:sld xmlns:a="http://schemas.openxmlformats.org/drawingml/2006/main" xmlns:r="http://schemas.openxmlformats.org/officeDocument/2006/relationships" xmlns:p="http://schemas.openxmlformats.org/presentationml/2006/main">
   <p:cSld>
     <p:spTree>
@@ -14103,7 +14375,7 @@
               <a:pPr>
                 <a:defRPr/>
               </a:pPr>
-              <a:t>27</a:t>
+              <a:t>28</a:t>
             </a:fld>
             <a:endParaRPr lang="en-US" dirty="0">
               <a:solidFill>
@@ -14518,7 +14790,7 @@
 </p:sld>
 </file>
 
-<file path=ppt/slides/slide28.xml><?xml version="1.0" encoding="utf-8"?>
+<file path=ppt/slides/slide29.xml><?xml version="1.0" encoding="utf-8"?>
 <p:sld xmlns:a="http://schemas.openxmlformats.org/drawingml/2006/main" xmlns:r="http://schemas.openxmlformats.org/officeDocument/2006/relationships" xmlns:p="http://schemas.openxmlformats.org/presentationml/2006/main">
   <p:cSld>
     <p:spTree>
@@ -14598,7 +14870,7 @@
               <a:pPr>
                 <a:defRPr/>
               </a:pPr>
-              <a:t>28</a:t>
+              <a:t>29</a:t>
             </a:fld>
             <a:endParaRPr lang="en-US" dirty="0">
               <a:solidFill>
@@ -14925,360 +15197,6 @@
     <p:extLst>
       <p:ext uri="{BB962C8B-B14F-4D97-AF65-F5344CB8AC3E}">
         <p14:creationId xmlns:p14="http://schemas.microsoft.com/office/powerpoint/2010/main" val="1815283509"/>
-      </p:ext>
-    </p:extLst>
-  </p:cSld>
-  <p:clrMapOvr>
-    <a:masterClrMapping/>
-  </p:clrMapOvr>
-</p:sld>
-</file>
-
-<file path=ppt/slides/slide29.xml><?xml version="1.0" encoding="utf-8"?>
-<p:sld xmlns:a="http://schemas.openxmlformats.org/drawingml/2006/main" xmlns:r="http://schemas.openxmlformats.org/officeDocument/2006/relationships" xmlns:p="http://schemas.openxmlformats.org/presentationml/2006/main">
-  <p:cSld>
-    <p:spTree>
-      <p:nvGrpSpPr>
-        <p:cNvPr id="1" name=""/>
-        <p:cNvGrpSpPr/>
-        <p:nvPr/>
-      </p:nvGrpSpPr>
-      <p:grpSpPr>
-        <a:xfrm>
-          <a:off x="0" y="0"/>
-          <a:ext cx="0" cy="0"/>
-          <a:chOff x="0" y="0"/>
-          <a:chExt cx="0" cy="0"/>
-        </a:xfrm>
-      </p:grpSpPr>
-      <p:sp>
-        <p:nvSpPr>
-          <p:cNvPr id="2" name="文本占位符 1">
-            <a:extLst>
-              <a:ext uri="{FF2B5EF4-FFF2-40B4-BE49-F238E27FC236}">
-                <a16:creationId xmlns:a16="http://schemas.microsoft.com/office/drawing/2014/main" id="{72BB2B86-82A8-4A5E-AA09-86A42C0CE35B}"/>
-              </a:ext>
-            </a:extLst>
-          </p:cNvPr>
-          <p:cNvSpPr>
-            <a:spLocks noGrp="1"/>
-          </p:cNvSpPr>
-          <p:nvPr>
-            <p:ph type="body" sz="quarter" idx="13"/>
-          </p:nvPr>
-        </p:nvSpPr>
-        <p:spPr/>
-        <p:txBody>
-          <a:bodyPr/>
-          <a:lstStyle/>
-          <a:p>
-            <a:r>
-              <a:rPr lang="zh-CN" altLang="en-US" dirty="0"/>
-              <a:t>修改相册</a:t>
-            </a:r>
-          </a:p>
-        </p:txBody>
-      </p:sp>
-      <p:sp>
-        <p:nvSpPr>
-          <p:cNvPr id="3" name="灯片编号占位符 2">
-            <a:extLst>
-              <a:ext uri="{FF2B5EF4-FFF2-40B4-BE49-F238E27FC236}">
-                <a16:creationId xmlns:a16="http://schemas.microsoft.com/office/drawing/2014/main" id="{2259A579-B778-4E8D-9EEB-5A9336DE6C6D}"/>
-              </a:ext>
-            </a:extLst>
-          </p:cNvPr>
-          <p:cNvSpPr>
-            <a:spLocks noGrp="1"/>
-          </p:cNvSpPr>
-          <p:nvPr>
-            <p:ph type="sldNum" sz="quarter" idx="12"/>
-          </p:nvPr>
-        </p:nvSpPr>
-        <p:spPr/>
-        <p:txBody>
-          <a:bodyPr/>
-          <a:lstStyle/>
-          <a:p>
-            <a:pPr>
-              <a:defRPr/>
-            </a:pPr>
-            <a:fld id="{FCEE2C88-6C8F-484D-AF69-578F576B1F44}" type="slidenum">
-              <a:rPr lang="en-US" smtClean="0">
-                <a:solidFill>
-                  <a:prstClr val="white">
-                    <a:lumMod val="50000"/>
-                  </a:prstClr>
-                </a:solidFill>
-              </a:rPr>
-              <a:pPr>
-                <a:defRPr/>
-              </a:pPr>
-              <a:t>29</a:t>
-            </a:fld>
-            <a:endParaRPr lang="en-US" dirty="0">
-              <a:solidFill>
-                <a:prstClr val="white">
-                  <a:lumMod val="50000"/>
-                </a:prstClr>
-              </a:solidFill>
-            </a:endParaRPr>
-          </a:p>
-        </p:txBody>
-      </p:sp>
-      <p:sp>
-        <p:nvSpPr>
-          <p:cNvPr id="6" name="Text Placeholder 33">
-            <a:extLst>
-              <a:ext uri="{FF2B5EF4-FFF2-40B4-BE49-F238E27FC236}">
-                <a16:creationId xmlns:a16="http://schemas.microsoft.com/office/drawing/2014/main" id="{664FA589-AAE0-41D1-B600-61A087801873}"/>
-              </a:ext>
-            </a:extLst>
-          </p:cNvPr>
-          <p:cNvSpPr txBox="1"/>
-          <p:nvPr/>
-        </p:nvSpPr>
-        <p:spPr>
-          <a:xfrm>
-            <a:off x="7276095" y="782366"/>
-            <a:ext cx="4663711" cy="4556252"/>
-          </a:xfrm>
-          <a:prstGeom prst="rect">
-            <a:avLst/>
-          </a:prstGeom>
-        </p:spPr>
-        <p:txBody>
-          <a:bodyPr lIns="0" tIns="0" rIns="0" bIns="0"/>
-          <a:lstStyle>
-            <a:lvl1pPr marL="171450" indent="-171450" algn="l" defTabSz="685800" rtl="0" eaLnBrk="1" latinLnBrk="0" hangingPunct="1">
-              <a:lnSpc>
-                <a:spcPct val="90000"/>
-              </a:lnSpc>
-              <a:spcBef>
-                <a:spcPts val="750"/>
-              </a:spcBef>
-              <a:buFont typeface="Arial" pitchFamily="34" charset="0"/>
-              <a:buChar char="•"/>
-              <a:defRPr sz="2100" kern="1200">
-                <a:solidFill>
-                  <a:schemeClr val="tx1"/>
-                </a:solidFill>
-                <a:latin typeface="Neris Thin" panose="00000300000000000000" pitchFamily="50" charset="0"/>
-                <a:ea typeface="+mn-ea"/>
-                <a:cs typeface="+mn-cs"/>
-              </a:defRPr>
-            </a:lvl1pPr>
-            <a:lvl2pPr marL="514350" indent="-171450" algn="l" defTabSz="685800" rtl="0" eaLnBrk="1" latinLnBrk="0" hangingPunct="1">
-              <a:lnSpc>
-                <a:spcPct val="90000"/>
-              </a:lnSpc>
-              <a:spcBef>
-                <a:spcPts val="375"/>
-              </a:spcBef>
-              <a:buFont typeface="Arial" pitchFamily="34" charset="0"/>
-              <a:buChar char="•"/>
-              <a:defRPr sz="1800" kern="1200">
-                <a:solidFill>
-                  <a:schemeClr val="tx1"/>
-                </a:solidFill>
-                <a:latin typeface="Neris Thin" panose="00000300000000000000" pitchFamily="50" charset="0"/>
-                <a:ea typeface="+mn-ea"/>
-                <a:cs typeface="+mn-cs"/>
-              </a:defRPr>
-            </a:lvl2pPr>
-            <a:lvl3pPr marL="857250" indent="-171450" algn="l" defTabSz="685800" rtl="0" eaLnBrk="1" latinLnBrk="0" hangingPunct="1">
-              <a:lnSpc>
-                <a:spcPct val="90000"/>
-              </a:lnSpc>
-              <a:spcBef>
-                <a:spcPts val="375"/>
-              </a:spcBef>
-              <a:buFont typeface="Arial" pitchFamily="34" charset="0"/>
-              <a:buChar char="•"/>
-              <a:defRPr sz="1500" kern="1200">
-                <a:solidFill>
-                  <a:schemeClr val="tx1"/>
-                </a:solidFill>
-                <a:latin typeface="Neris Thin" panose="00000300000000000000" pitchFamily="50" charset="0"/>
-                <a:ea typeface="+mn-ea"/>
-                <a:cs typeface="+mn-cs"/>
-              </a:defRPr>
-            </a:lvl3pPr>
-            <a:lvl4pPr marL="1200150" indent="-171450" algn="l" defTabSz="685800" rtl="0" eaLnBrk="1" latinLnBrk="0" hangingPunct="1">
-              <a:lnSpc>
-                <a:spcPct val="90000"/>
-              </a:lnSpc>
-              <a:spcBef>
-                <a:spcPts val="375"/>
-              </a:spcBef>
-              <a:buFont typeface="Arial" pitchFamily="34" charset="0"/>
-              <a:buChar char="•"/>
-              <a:defRPr sz="1350" kern="1200">
-                <a:solidFill>
-                  <a:schemeClr val="tx1"/>
-                </a:solidFill>
-                <a:latin typeface="Neris Thin" panose="00000300000000000000" pitchFamily="50" charset="0"/>
-                <a:ea typeface="+mn-ea"/>
-                <a:cs typeface="+mn-cs"/>
-              </a:defRPr>
-            </a:lvl4pPr>
-            <a:lvl5pPr marL="1543050" indent="-171450" algn="l" defTabSz="685800" rtl="0" eaLnBrk="1" latinLnBrk="0" hangingPunct="1">
-              <a:lnSpc>
-                <a:spcPct val="90000"/>
-              </a:lnSpc>
-              <a:spcBef>
-                <a:spcPts val="375"/>
-              </a:spcBef>
-              <a:buFont typeface="Arial" pitchFamily="34" charset="0"/>
-              <a:buChar char="•"/>
-              <a:defRPr sz="1350" kern="1200">
-                <a:solidFill>
-                  <a:schemeClr val="tx1"/>
-                </a:solidFill>
-                <a:latin typeface="Neris Thin" panose="00000300000000000000" pitchFamily="50" charset="0"/>
-                <a:ea typeface="+mn-ea"/>
-                <a:cs typeface="+mn-cs"/>
-              </a:defRPr>
-            </a:lvl5pPr>
-            <a:lvl6pPr marL="1885950" indent="-171450" algn="l" defTabSz="685800" rtl="0" eaLnBrk="1" latinLnBrk="0" hangingPunct="1">
-              <a:lnSpc>
-                <a:spcPct val="90000"/>
-              </a:lnSpc>
-              <a:spcBef>
-                <a:spcPts val="375"/>
-              </a:spcBef>
-              <a:buFont typeface="Arial" pitchFamily="34" charset="0"/>
-              <a:buChar char="•"/>
-              <a:defRPr sz="1350" kern="1200">
-                <a:solidFill>
-                  <a:schemeClr val="tx1"/>
-                </a:solidFill>
-                <a:latin typeface="+mn-lt"/>
-                <a:ea typeface="+mn-ea"/>
-                <a:cs typeface="+mn-cs"/>
-              </a:defRPr>
-            </a:lvl6pPr>
-            <a:lvl7pPr marL="2228850" indent="-171450" algn="l" defTabSz="685800" rtl="0" eaLnBrk="1" latinLnBrk="0" hangingPunct="1">
-              <a:lnSpc>
-                <a:spcPct val="90000"/>
-              </a:lnSpc>
-              <a:spcBef>
-                <a:spcPts val="375"/>
-              </a:spcBef>
-              <a:buFont typeface="Arial" pitchFamily="34" charset="0"/>
-              <a:buChar char="•"/>
-              <a:defRPr sz="1350" kern="1200">
-                <a:solidFill>
-                  <a:schemeClr val="tx1"/>
-                </a:solidFill>
-                <a:latin typeface="+mn-lt"/>
-                <a:ea typeface="+mn-ea"/>
-                <a:cs typeface="+mn-cs"/>
-              </a:defRPr>
-            </a:lvl7pPr>
-            <a:lvl8pPr marL="2571750" indent="-171450" algn="l" defTabSz="685800" rtl="0" eaLnBrk="1" latinLnBrk="0" hangingPunct="1">
-              <a:lnSpc>
-                <a:spcPct val="90000"/>
-              </a:lnSpc>
-              <a:spcBef>
-                <a:spcPts val="375"/>
-              </a:spcBef>
-              <a:buFont typeface="Arial" pitchFamily="34" charset="0"/>
-              <a:buChar char="•"/>
-              <a:defRPr sz="1350" kern="1200">
-                <a:solidFill>
-                  <a:schemeClr val="tx1"/>
-                </a:solidFill>
-                <a:latin typeface="+mn-lt"/>
-                <a:ea typeface="+mn-ea"/>
-                <a:cs typeface="+mn-cs"/>
-              </a:defRPr>
-            </a:lvl8pPr>
-            <a:lvl9pPr marL="2914650" indent="-171450" algn="l" defTabSz="685800" rtl="0" eaLnBrk="1" latinLnBrk="0" hangingPunct="1">
-              <a:lnSpc>
-                <a:spcPct val="90000"/>
-              </a:lnSpc>
-              <a:spcBef>
-                <a:spcPts val="375"/>
-              </a:spcBef>
-              <a:buFont typeface="Arial" pitchFamily="34" charset="0"/>
-              <a:buChar char="•"/>
-              <a:defRPr sz="1350" kern="1200">
-                <a:solidFill>
-                  <a:schemeClr val="tx1"/>
-                </a:solidFill>
-                <a:latin typeface="+mn-lt"/>
-                <a:ea typeface="+mn-ea"/>
-                <a:cs typeface="+mn-cs"/>
-              </a:defRPr>
-            </a:lvl9pPr>
-          </a:lstStyle>
-          <a:p>
-            <a:pPr marL="0" lvl="0" indent="0">
-              <a:buNone/>
-            </a:pPr>
-            <a:r>
-              <a:rPr lang="zh-CN" altLang="en-US" sz="1600" b="1" dirty="0">
-                <a:solidFill>
-                  <a:schemeClr val="accent2"/>
-                </a:solidFill>
-                <a:latin typeface="+mn-lt"/>
-                <a:cs typeface="+mn-ea"/>
-                <a:sym typeface="+mn-lt"/>
-              </a:rPr>
-              <a:t>修改相册与新增相册几乎一样。</a:t>
-            </a:r>
-            <a:endParaRPr kumimoji="0" lang="en-US" altLang="zh-CN" sz="1600" b="1" i="0" u="none" strike="noStrike" kern="1200" cap="none" spc="0" normalizeH="0" baseline="0" noProof="0" dirty="0">
-              <a:ln>
-                <a:noFill/>
-              </a:ln>
-              <a:solidFill>
-                <a:schemeClr val="accent2"/>
-              </a:solidFill>
-              <a:effectLst/>
-              <a:uLnTx/>
-              <a:uFillTx/>
-              <a:latin typeface="+mn-lt"/>
-              <a:cs typeface="+mn-ea"/>
-              <a:sym typeface="+mn-lt"/>
-            </a:endParaRPr>
-          </a:p>
-        </p:txBody>
-      </p:sp>
-      <p:pic>
-        <p:nvPicPr>
-          <p:cNvPr id="7" name="图片 6">
-            <a:extLst>
-              <a:ext uri="{FF2B5EF4-FFF2-40B4-BE49-F238E27FC236}">
-                <a16:creationId xmlns:a16="http://schemas.microsoft.com/office/drawing/2014/main" id="{499E5A0A-9EB2-4EBC-A142-0672A78F9352}"/>
-              </a:ext>
-            </a:extLst>
-          </p:cNvPr>
-          <p:cNvPicPr>
-            <a:picLocks noChangeAspect="1"/>
-          </p:cNvPicPr>
-          <p:nvPr/>
-        </p:nvPicPr>
-        <p:blipFill>
-          <a:blip r:embed="rId2"/>
-          <a:stretch>
-            <a:fillRect/>
-          </a:stretch>
-        </p:blipFill>
-        <p:spPr>
-          <a:xfrm>
-            <a:off x="1815737" y="0"/>
-            <a:ext cx="3857143" cy="6619048"/>
-          </a:xfrm>
-          <a:prstGeom prst="rect">
-            <a:avLst/>
-          </a:prstGeom>
-        </p:spPr>
-      </p:pic>
-    </p:spTree>
-    <p:extLst>
-      <p:ext uri="{BB962C8B-B14F-4D97-AF65-F5344CB8AC3E}">
-        <p14:creationId xmlns:p14="http://schemas.microsoft.com/office/powerpoint/2010/main" val="3897834590"/>
       </p:ext>
     </p:extLst>
   </p:cSld>
@@ -16048,6 +15966,360 @@
           <a:p>
             <a:r>
               <a:rPr lang="zh-CN" altLang="en-US" dirty="0"/>
+              <a:t>修改相册</a:t>
+            </a:r>
+          </a:p>
+        </p:txBody>
+      </p:sp>
+      <p:sp>
+        <p:nvSpPr>
+          <p:cNvPr id="3" name="灯片编号占位符 2">
+            <a:extLst>
+              <a:ext uri="{FF2B5EF4-FFF2-40B4-BE49-F238E27FC236}">
+                <a16:creationId xmlns:a16="http://schemas.microsoft.com/office/drawing/2014/main" id="{2259A579-B778-4E8D-9EEB-5A9336DE6C6D}"/>
+              </a:ext>
+            </a:extLst>
+          </p:cNvPr>
+          <p:cNvSpPr>
+            <a:spLocks noGrp="1"/>
+          </p:cNvSpPr>
+          <p:nvPr>
+            <p:ph type="sldNum" sz="quarter" idx="12"/>
+          </p:nvPr>
+        </p:nvSpPr>
+        <p:spPr/>
+        <p:txBody>
+          <a:bodyPr/>
+          <a:lstStyle/>
+          <a:p>
+            <a:pPr>
+              <a:defRPr/>
+            </a:pPr>
+            <a:fld id="{FCEE2C88-6C8F-484D-AF69-578F576B1F44}" type="slidenum">
+              <a:rPr lang="en-US" smtClean="0">
+                <a:solidFill>
+                  <a:prstClr val="white">
+                    <a:lumMod val="50000"/>
+                  </a:prstClr>
+                </a:solidFill>
+              </a:rPr>
+              <a:pPr>
+                <a:defRPr/>
+              </a:pPr>
+              <a:t>30</a:t>
+            </a:fld>
+            <a:endParaRPr lang="en-US" dirty="0">
+              <a:solidFill>
+                <a:prstClr val="white">
+                  <a:lumMod val="50000"/>
+                </a:prstClr>
+              </a:solidFill>
+            </a:endParaRPr>
+          </a:p>
+        </p:txBody>
+      </p:sp>
+      <p:sp>
+        <p:nvSpPr>
+          <p:cNvPr id="6" name="Text Placeholder 33">
+            <a:extLst>
+              <a:ext uri="{FF2B5EF4-FFF2-40B4-BE49-F238E27FC236}">
+                <a16:creationId xmlns:a16="http://schemas.microsoft.com/office/drawing/2014/main" id="{664FA589-AAE0-41D1-B600-61A087801873}"/>
+              </a:ext>
+            </a:extLst>
+          </p:cNvPr>
+          <p:cNvSpPr txBox="1"/>
+          <p:nvPr/>
+        </p:nvSpPr>
+        <p:spPr>
+          <a:xfrm>
+            <a:off x="7276095" y="782366"/>
+            <a:ext cx="4663711" cy="4556252"/>
+          </a:xfrm>
+          <a:prstGeom prst="rect">
+            <a:avLst/>
+          </a:prstGeom>
+        </p:spPr>
+        <p:txBody>
+          <a:bodyPr lIns="0" tIns="0" rIns="0" bIns="0"/>
+          <a:lstStyle>
+            <a:lvl1pPr marL="171450" indent="-171450" algn="l" defTabSz="685800" rtl="0" eaLnBrk="1" latinLnBrk="0" hangingPunct="1">
+              <a:lnSpc>
+                <a:spcPct val="90000"/>
+              </a:lnSpc>
+              <a:spcBef>
+                <a:spcPts val="750"/>
+              </a:spcBef>
+              <a:buFont typeface="Arial" pitchFamily="34" charset="0"/>
+              <a:buChar char="•"/>
+              <a:defRPr sz="2100" kern="1200">
+                <a:solidFill>
+                  <a:schemeClr val="tx1"/>
+                </a:solidFill>
+                <a:latin typeface="Neris Thin" panose="00000300000000000000" pitchFamily="50" charset="0"/>
+                <a:ea typeface="+mn-ea"/>
+                <a:cs typeface="+mn-cs"/>
+              </a:defRPr>
+            </a:lvl1pPr>
+            <a:lvl2pPr marL="514350" indent="-171450" algn="l" defTabSz="685800" rtl="0" eaLnBrk="1" latinLnBrk="0" hangingPunct="1">
+              <a:lnSpc>
+                <a:spcPct val="90000"/>
+              </a:lnSpc>
+              <a:spcBef>
+                <a:spcPts val="375"/>
+              </a:spcBef>
+              <a:buFont typeface="Arial" pitchFamily="34" charset="0"/>
+              <a:buChar char="•"/>
+              <a:defRPr sz="1800" kern="1200">
+                <a:solidFill>
+                  <a:schemeClr val="tx1"/>
+                </a:solidFill>
+                <a:latin typeface="Neris Thin" panose="00000300000000000000" pitchFamily="50" charset="0"/>
+                <a:ea typeface="+mn-ea"/>
+                <a:cs typeface="+mn-cs"/>
+              </a:defRPr>
+            </a:lvl2pPr>
+            <a:lvl3pPr marL="857250" indent="-171450" algn="l" defTabSz="685800" rtl="0" eaLnBrk="1" latinLnBrk="0" hangingPunct="1">
+              <a:lnSpc>
+                <a:spcPct val="90000"/>
+              </a:lnSpc>
+              <a:spcBef>
+                <a:spcPts val="375"/>
+              </a:spcBef>
+              <a:buFont typeface="Arial" pitchFamily="34" charset="0"/>
+              <a:buChar char="•"/>
+              <a:defRPr sz="1500" kern="1200">
+                <a:solidFill>
+                  <a:schemeClr val="tx1"/>
+                </a:solidFill>
+                <a:latin typeface="Neris Thin" panose="00000300000000000000" pitchFamily="50" charset="0"/>
+                <a:ea typeface="+mn-ea"/>
+                <a:cs typeface="+mn-cs"/>
+              </a:defRPr>
+            </a:lvl3pPr>
+            <a:lvl4pPr marL="1200150" indent="-171450" algn="l" defTabSz="685800" rtl="0" eaLnBrk="1" latinLnBrk="0" hangingPunct="1">
+              <a:lnSpc>
+                <a:spcPct val="90000"/>
+              </a:lnSpc>
+              <a:spcBef>
+                <a:spcPts val="375"/>
+              </a:spcBef>
+              <a:buFont typeface="Arial" pitchFamily="34" charset="0"/>
+              <a:buChar char="•"/>
+              <a:defRPr sz="1350" kern="1200">
+                <a:solidFill>
+                  <a:schemeClr val="tx1"/>
+                </a:solidFill>
+                <a:latin typeface="Neris Thin" panose="00000300000000000000" pitchFamily="50" charset="0"/>
+                <a:ea typeface="+mn-ea"/>
+                <a:cs typeface="+mn-cs"/>
+              </a:defRPr>
+            </a:lvl4pPr>
+            <a:lvl5pPr marL="1543050" indent="-171450" algn="l" defTabSz="685800" rtl="0" eaLnBrk="1" latinLnBrk="0" hangingPunct="1">
+              <a:lnSpc>
+                <a:spcPct val="90000"/>
+              </a:lnSpc>
+              <a:spcBef>
+                <a:spcPts val="375"/>
+              </a:spcBef>
+              <a:buFont typeface="Arial" pitchFamily="34" charset="0"/>
+              <a:buChar char="•"/>
+              <a:defRPr sz="1350" kern="1200">
+                <a:solidFill>
+                  <a:schemeClr val="tx1"/>
+                </a:solidFill>
+                <a:latin typeface="Neris Thin" panose="00000300000000000000" pitchFamily="50" charset="0"/>
+                <a:ea typeface="+mn-ea"/>
+                <a:cs typeface="+mn-cs"/>
+              </a:defRPr>
+            </a:lvl5pPr>
+            <a:lvl6pPr marL="1885950" indent="-171450" algn="l" defTabSz="685800" rtl="0" eaLnBrk="1" latinLnBrk="0" hangingPunct="1">
+              <a:lnSpc>
+                <a:spcPct val="90000"/>
+              </a:lnSpc>
+              <a:spcBef>
+                <a:spcPts val="375"/>
+              </a:spcBef>
+              <a:buFont typeface="Arial" pitchFamily="34" charset="0"/>
+              <a:buChar char="•"/>
+              <a:defRPr sz="1350" kern="1200">
+                <a:solidFill>
+                  <a:schemeClr val="tx1"/>
+                </a:solidFill>
+                <a:latin typeface="+mn-lt"/>
+                <a:ea typeface="+mn-ea"/>
+                <a:cs typeface="+mn-cs"/>
+              </a:defRPr>
+            </a:lvl6pPr>
+            <a:lvl7pPr marL="2228850" indent="-171450" algn="l" defTabSz="685800" rtl="0" eaLnBrk="1" latinLnBrk="0" hangingPunct="1">
+              <a:lnSpc>
+                <a:spcPct val="90000"/>
+              </a:lnSpc>
+              <a:spcBef>
+                <a:spcPts val="375"/>
+              </a:spcBef>
+              <a:buFont typeface="Arial" pitchFamily="34" charset="0"/>
+              <a:buChar char="•"/>
+              <a:defRPr sz="1350" kern="1200">
+                <a:solidFill>
+                  <a:schemeClr val="tx1"/>
+                </a:solidFill>
+                <a:latin typeface="+mn-lt"/>
+                <a:ea typeface="+mn-ea"/>
+                <a:cs typeface="+mn-cs"/>
+              </a:defRPr>
+            </a:lvl7pPr>
+            <a:lvl8pPr marL="2571750" indent="-171450" algn="l" defTabSz="685800" rtl="0" eaLnBrk="1" latinLnBrk="0" hangingPunct="1">
+              <a:lnSpc>
+                <a:spcPct val="90000"/>
+              </a:lnSpc>
+              <a:spcBef>
+                <a:spcPts val="375"/>
+              </a:spcBef>
+              <a:buFont typeface="Arial" pitchFamily="34" charset="0"/>
+              <a:buChar char="•"/>
+              <a:defRPr sz="1350" kern="1200">
+                <a:solidFill>
+                  <a:schemeClr val="tx1"/>
+                </a:solidFill>
+                <a:latin typeface="+mn-lt"/>
+                <a:ea typeface="+mn-ea"/>
+                <a:cs typeface="+mn-cs"/>
+              </a:defRPr>
+            </a:lvl8pPr>
+            <a:lvl9pPr marL="2914650" indent="-171450" algn="l" defTabSz="685800" rtl="0" eaLnBrk="1" latinLnBrk="0" hangingPunct="1">
+              <a:lnSpc>
+                <a:spcPct val="90000"/>
+              </a:lnSpc>
+              <a:spcBef>
+                <a:spcPts val="375"/>
+              </a:spcBef>
+              <a:buFont typeface="Arial" pitchFamily="34" charset="0"/>
+              <a:buChar char="•"/>
+              <a:defRPr sz="1350" kern="1200">
+                <a:solidFill>
+                  <a:schemeClr val="tx1"/>
+                </a:solidFill>
+                <a:latin typeface="+mn-lt"/>
+                <a:ea typeface="+mn-ea"/>
+                <a:cs typeface="+mn-cs"/>
+              </a:defRPr>
+            </a:lvl9pPr>
+          </a:lstStyle>
+          <a:p>
+            <a:pPr marL="0" lvl="0" indent="0">
+              <a:buNone/>
+            </a:pPr>
+            <a:r>
+              <a:rPr lang="zh-CN" altLang="en-US" sz="1600" b="1" dirty="0">
+                <a:solidFill>
+                  <a:schemeClr val="accent2"/>
+                </a:solidFill>
+                <a:latin typeface="+mn-lt"/>
+                <a:cs typeface="+mn-ea"/>
+                <a:sym typeface="+mn-lt"/>
+              </a:rPr>
+              <a:t>修改相册与新增相册几乎一样。</a:t>
+            </a:r>
+            <a:endParaRPr kumimoji="0" lang="en-US" altLang="zh-CN" sz="1600" b="1" i="0" u="none" strike="noStrike" kern="1200" cap="none" spc="0" normalizeH="0" baseline="0" noProof="0" dirty="0">
+              <a:ln>
+                <a:noFill/>
+              </a:ln>
+              <a:solidFill>
+                <a:schemeClr val="accent2"/>
+              </a:solidFill>
+              <a:effectLst/>
+              <a:uLnTx/>
+              <a:uFillTx/>
+              <a:latin typeface="+mn-lt"/>
+              <a:cs typeface="+mn-ea"/>
+              <a:sym typeface="+mn-lt"/>
+            </a:endParaRPr>
+          </a:p>
+        </p:txBody>
+      </p:sp>
+      <p:pic>
+        <p:nvPicPr>
+          <p:cNvPr id="7" name="图片 6">
+            <a:extLst>
+              <a:ext uri="{FF2B5EF4-FFF2-40B4-BE49-F238E27FC236}">
+                <a16:creationId xmlns:a16="http://schemas.microsoft.com/office/drawing/2014/main" id="{499E5A0A-9EB2-4EBC-A142-0672A78F9352}"/>
+              </a:ext>
+            </a:extLst>
+          </p:cNvPr>
+          <p:cNvPicPr>
+            <a:picLocks noChangeAspect="1"/>
+          </p:cNvPicPr>
+          <p:nvPr/>
+        </p:nvPicPr>
+        <p:blipFill>
+          <a:blip r:embed="rId2"/>
+          <a:stretch>
+            <a:fillRect/>
+          </a:stretch>
+        </p:blipFill>
+        <p:spPr>
+          <a:xfrm>
+            <a:off x="1815737" y="0"/>
+            <a:ext cx="3857143" cy="6619048"/>
+          </a:xfrm>
+          <a:prstGeom prst="rect">
+            <a:avLst/>
+          </a:prstGeom>
+        </p:spPr>
+      </p:pic>
+    </p:spTree>
+    <p:extLst>
+      <p:ext uri="{BB962C8B-B14F-4D97-AF65-F5344CB8AC3E}">
+        <p14:creationId xmlns:p14="http://schemas.microsoft.com/office/powerpoint/2010/main" val="3897834590"/>
+      </p:ext>
+    </p:extLst>
+  </p:cSld>
+  <p:clrMapOvr>
+    <a:masterClrMapping/>
+  </p:clrMapOvr>
+</p:sld>
+</file>
+
+<file path=ppt/slides/slide31.xml><?xml version="1.0" encoding="utf-8"?>
+<p:sld xmlns:a="http://schemas.openxmlformats.org/drawingml/2006/main" xmlns:r="http://schemas.openxmlformats.org/officeDocument/2006/relationships" xmlns:p="http://schemas.openxmlformats.org/presentationml/2006/main">
+  <p:cSld>
+    <p:spTree>
+      <p:nvGrpSpPr>
+        <p:cNvPr id="1" name=""/>
+        <p:cNvGrpSpPr/>
+        <p:nvPr/>
+      </p:nvGrpSpPr>
+      <p:grpSpPr>
+        <a:xfrm>
+          <a:off x="0" y="0"/>
+          <a:ext cx="0" cy="0"/>
+          <a:chOff x="0" y="0"/>
+          <a:chExt cx="0" cy="0"/>
+        </a:xfrm>
+      </p:grpSpPr>
+      <p:sp>
+        <p:nvSpPr>
+          <p:cNvPr id="2" name="文本占位符 1">
+            <a:extLst>
+              <a:ext uri="{FF2B5EF4-FFF2-40B4-BE49-F238E27FC236}">
+                <a16:creationId xmlns:a16="http://schemas.microsoft.com/office/drawing/2014/main" id="{72BB2B86-82A8-4A5E-AA09-86A42C0CE35B}"/>
+              </a:ext>
+            </a:extLst>
+          </p:cNvPr>
+          <p:cNvSpPr>
+            <a:spLocks noGrp="1"/>
+          </p:cNvSpPr>
+          <p:nvPr>
+            <p:ph type="body" sz="quarter" idx="13"/>
+          </p:nvPr>
+        </p:nvSpPr>
+        <p:spPr/>
+        <p:txBody>
+          <a:bodyPr/>
+          <a:lstStyle/>
+          <a:p>
+            <a:r>
+              <a:rPr lang="zh-CN" altLang="en-US" dirty="0"/>
               <a:t>相册详情</a:t>
             </a:r>
           </a:p>
@@ -16088,7 +16360,7 @@
               <a:pPr>
                 <a:defRPr/>
               </a:pPr>
-              <a:t>30</a:t>
+              <a:t>31</a:t>
             </a:fld>
             <a:endParaRPr lang="en-US" dirty="0">
               <a:solidFill>
@@ -16368,7 +16640,7 @@
 </p:sld>
 </file>
 
-<file path=ppt/slides/slide31.xml><?xml version="1.0" encoding="utf-8"?>
+<file path=ppt/slides/slide32.xml><?xml version="1.0" encoding="utf-8"?>
 <p:sld xmlns:a="http://schemas.openxmlformats.org/drawingml/2006/main" xmlns:r="http://schemas.openxmlformats.org/officeDocument/2006/relationships" xmlns:p="http://schemas.openxmlformats.org/presentationml/2006/main">
   <p:cSld>
     <p:spTree>
@@ -16826,7 +17098,7 @@
 </p:sld>
 </file>
 
-<file path=ppt/slides/slide32.xml><?xml version="1.0" encoding="utf-8"?>
+<file path=ppt/slides/slide33.xml><?xml version="1.0" encoding="utf-8"?>
 <p:sld xmlns:a="http://schemas.openxmlformats.org/drawingml/2006/main" xmlns:r="http://schemas.openxmlformats.org/officeDocument/2006/relationships" xmlns:p="http://schemas.openxmlformats.org/presentationml/2006/main">
   <p:cSld>
     <p:spTree>
@@ -17284,7 +17556,7 @@
 </p:sld>
 </file>
 
-<file path=ppt/slides/slide33.xml><?xml version="1.0" encoding="utf-8"?>
+<file path=ppt/slides/slide34.xml><?xml version="1.0" encoding="utf-8"?>
 <p:sld xmlns:a="http://schemas.openxmlformats.org/drawingml/2006/main" xmlns:r="http://schemas.openxmlformats.org/officeDocument/2006/relationships" xmlns:p="http://schemas.openxmlformats.org/presentationml/2006/main">
   <p:cSld>
     <p:spTree>
@@ -17324,7 +17596,7 @@
           <a:p>
             <a:fld id="{32CCA8F1-65B7-4168-9E5A-D348FEC2CD71}" type="slidenum">
               <a:rPr lang="zh-CN" altLang="en-US" smtClean="0"/>
-              <a:t>33</a:t>
+              <a:t>34</a:t>
             </a:fld>
             <a:endParaRPr lang="zh-CN" altLang="en-US"/>
           </a:p>
@@ -17814,7 +18086,7 @@
 </p:sld>
 </file>
 
-<file path=ppt/slides/slide34.xml><?xml version="1.0" encoding="utf-8"?>
+<file path=ppt/slides/slide35.xml><?xml version="1.0" encoding="utf-8"?>
 <p:sld xmlns:a="http://schemas.openxmlformats.org/drawingml/2006/main" xmlns:r="http://schemas.openxmlformats.org/officeDocument/2006/relationships" xmlns:p="http://schemas.openxmlformats.org/presentationml/2006/main">
   <p:cSld>
     <p:spTree>
@@ -17854,7 +18126,7 @@
           <a:p>
             <a:fld id="{32CCA8F1-65B7-4168-9E5A-D348FEC2CD71}" type="slidenum">
               <a:rPr lang="zh-CN" altLang="en-US" smtClean="0"/>
-              <a:t>34</a:t>
+              <a:t>35</a:t>
             </a:fld>
             <a:endParaRPr lang="zh-CN" altLang="en-US"/>
           </a:p>
@@ -17933,7 +18205,7 @@
 </p:sld>
 </file>
 
-<file path=ppt/slides/slide35.xml><?xml version="1.0" encoding="utf-8"?>
+<file path=ppt/slides/slide36.xml><?xml version="1.0" encoding="utf-8"?>
 <p:sld xmlns:a="http://schemas.openxmlformats.org/drawingml/2006/main" xmlns:r="http://schemas.openxmlformats.org/officeDocument/2006/relationships" xmlns:p="http://schemas.openxmlformats.org/presentationml/2006/main">
   <p:cSld>
     <p:spTree>
@@ -19037,8 +19309,8 @@
         </p:nvSpPr>
         <p:spPr>
           <a:xfrm>
-            <a:off x="3764144" y="4246476"/>
-            <a:ext cx="4663711" cy="2105891"/>
+            <a:off x="1240145" y="2067791"/>
+            <a:ext cx="9711710" cy="2722418"/>
           </a:xfrm>
           <a:prstGeom prst="rect">
             <a:avLst/>
@@ -19211,9 +19483,618 @@
             </a:lvl9pPr>
           </a:lstStyle>
           <a:p>
-            <a:pPr marL="0" lvl="0" indent="0" algn="ctr">
+            <a:pPr marL="0" lvl="0" indent="0">
               <a:buNone/>
             </a:pPr>
+            <a:r>
+              <a:rPr lang="zh-CN" altLang="en-US" sz="1600" b="1" dirty="0">
+                <a:solidFill>
+                  <a:schemeClr val="accent2"/>
+                </a:solidFill>
+                <a:latin typeface="+mn-lt"/>
+                <a:cs typeface="+mn-ea"/>
+                <a:sym typeface="+mn-lt"/>
+              </a:rPr>
+              <a:t>张浩山：前端，负责登陆、注册、状态分享、状态详细、新鲜事界面，整体前端界面的</a:t>
+            </a:r>
+            <a:r>
+              <a:rPr lang="en-US" altLang="zh-CN" sz="1600" b="1" dirty="0">
+                <a:solidFill>
+                  <a:schemeClr val="accent2"/>
+                </a:solidFill>
+                <a:latin typeface="+mn-lt"/>
+                <a:cs typeface="+mn-ea"/>
+                <a:sym typeface="+mn-lt"/>
+              </a:rPr>
+              <a:t>UI</a:t>
+            </a:r>
+            <a:r>
+              <a:rPr lang="zh-CN" altLang="en-US" sz="1600" b="1" dirty="0">
+                <a:solidFill>
+                  <a:schemeClr val="accent2"/>
+                </a:solidFill>
+                <a:latin typeface="+mn-lt"/>
+                <a:cs typeface="+mn-ea"/>
+                <a:sym typeface="+mn-lt"/>
+              </a:rPr>
+              <a:t>修改，还负责组织全组工作，数据库设计</a:t>
+            </a:r>
+            <a:endParaRPr lang="en-US" altLang="zh-CN" sz="1600" b="1" dirty="0">
+              <a:solidFill>
+                <a:schemeClr val="accent2"/>
+              </a:solidFill>
+              <a:latin typeface="+mn-lt"/>
+              <a:cs typeface="+mn-ea"/>
+              <a:sym typeface="+mn-lt"/>
+            </a:endParaRPr>
+          </a:p>
+          <a:p>
+            <a:pPr marL="0" lvl="0" indent="0">
+              <a:buNone/>
+            </a:pPr>
+            <a:endParaRPr lang="zh-CN" altLang="en-US" sz="1600" b="1" dirty="0">
+              <a:solidFill>
+                <a:schemeClr val="accent2"/>
+              </a:solidFill>
+              <a:latin typeface="+mn-lt"/>
+              <a:cs typeface="+mn-ea"/>
+              <a:sym typeface="+mn-lt"/>
+            </a:endParaRPr>
+          </a:p>
+          <a:p>
+            <a:pPr marL="0" lvl="0" indent="0">
+              <a:buNone/>
+            </a:pPr>
+            <a:r>
+              <a:rPr lang="zh-CN" altLang="en-US" sz="1600" b="1" dirty="0">
+                <a:solidFill>
+                  <a:schemeClr val="accent2"/>
+                </a:solidFill>
+                <a:latin typeface="+mn-lt"/>
+                <a:cs typeface="+mn-ea"/>
+                <a:sym typeface="+mn-lt"/>
+              </a:rPr>
+              <a:t>向晨：前端，负责管理员、个人主页修改、相册概览、相册界面、搜索界面</a:t>
+            </a:r>
+            <a:endParaRPr lang="en-US" altLang="zh-CN" sz="1600" b="1" dirty="0">
+              <a:solidFill>
+                <a:schemeClr val="accent2"/>
+              </a:solidFill>
+              <a:latin typeface="+mn-lt"/>
+              <a:cs typeface="+mn-ea"/>
+              <a:sym typeface="+mn-lt"/>
+            </a:endParaRPr>
+          </a:p>
+          <a:p>
+            <a:pPr marL="0" lvl="0" indent="0">
+              <a:buNone/>
+            </a:pPr>
+            <a:endParaRPr lang="zh-CN" altLang="en-US" sz="1600" b="1" dirty="0">
+              <a:solidFill>
+                <a:schemeClr val="accent2"/>
+              </a:solidFill>
+              <a:latin typeface="+mn-lt"/>
+              <a:cs typeface="+mn-ea"/>
+              <a:sym typeface="+mn-lt"/>
+            </a:endParaRPr>
+          </a:p>
+          <a:p>
+            <a:pPr marL="0" lvl="0" indent="0">
+              <a:buNone/>
+            </a:pPr>
+            <a:r>
+              <a:rPr lang="zh-CN" altLang="en-US" sz="1600" b="1" dirty="0">
+                <a:solidFill>
+                  <a:schemeClr val="accent2"/>
+                </a:solidFill>
+                <a:latin typeface="+mn-lt"/>
+                <a:cs typeface="+mn-ea"/>
+                <a:sym typeface="+mn-lt"/>
+              </a:rPr>
+              <a:t>李嘉龙：后端，负责相册、图片与文件管理部分的</a:t>
+            </a:r>
+            <a:r>
+              <a:rPr lang="en-US" altLang="zh-CN" sz="1600" b="1" dirty="0">
+                <a:solidFill>
+                  <a:schemeClr val="accent2"/>
+                </a:solidFill>
+                <a:latin typeface="+mn-lt"/>
+                <a:cs typeface="+mn-ea"/>
+                <a:sym typeface="+mn-lt"/>
+              </a:rPr>
+              <a:t>API</a:t>
+            </a:r>
+            <a:r>
+              <a:rPr lang="zh-CN" altLang="en-US" sz="1600" b="1" dirty="0">
+                <a:solidFill>
+                  <a:schemeClr val="accent2"/>
+                </a:solidFill>
+                <a:latin typeface="+mn-lt"/>
+                <a:cs typeface="+mn-ea"/>
+                <a:sym typeface="+mn-lt"/>
+              </a:rPr>
+              <a:t>，以及验收报告的撰写</a:t>
+            </a:r>
+            <a:endParaRPr lang="en-US" altLang="zh-CN" sz="1600" b="1" dirty="0">
+              <a:solidFill>
+                <a:schemeClr val="accent2"/>
+              </a:solidFill>
+              <a:latin typeface="+mn-lt"/>
+              <a:cs typeface="+mn-ea"/>
+              <a:sym typeface="+mn-lt"/>
+            </a:endParaRPr>
+          </a:p>
+          <a:p>
+            <a:pPr marL="0" lvl="0" indent="0">
+              <a:buNone/>
+            </a:pPr>
+            <a:endParaRPr lang="zh-CN" altLang="en-US" sz="1600" b="1" dirty="0">
+              <a:solidFill>
+                <a:schemeClr val="accent2"/>
+              </a:solidFill>
+              <a:latin typeface="+mn-lt"/>
+              <a:cs typeface="+mn-ea"/>
+              <a:sym typeface="+mn-lt"/>
+            </a:endParaRPr>
+          </a:p>
+          <a:p>
+            <a:pPr marL="0" lvl="0" indent="0">
+              <a:buNone/>
+            </a:pPr>
+            <a:r>
+              <a:rPr lang="zh-CN" altLang="en-US" sz="1600" b="1" dirty="0">
+                <a:solidFill>
+                  <a:schemeClr val="accent2"/>
+                </a:solidFill>
+                <a:latin typeface="+mn-lt"/>
+                <a:cs typeface="+mn-ea"/>
+                <a:sym typeface="+mn-lt"/>
+              </a:rPr>
+              <a:t>高帆：后端，负责用户、状态、点赞、评论、关注部分的</a:t>
+            </a:r>
+            <a:r>
+              <a:rPr lang="en-US" altLang="zh-CN" sz="1600" b="1" dirty="0">
+                <a:solidFill>
+                  <a:schemeClr val="accent2"/>
+                </a:solidFill>
+                <a:latin typeface="+mn-lt"/>
+                <a:cs typeface="+mn-ea"/>
+                <a:sym typeface="+mn-lt"/>
+              </a:rPr>
+              <a:t>API</a:t>
+            </a:r>
+            <a:endParaRPr kumimoji="0" lang="en-AU" sz="1600" b="1" i="0" u="none" strike="noStrike" kern="1200" cap="none" spc="0" normalizeH="0" baseline="0" noProof="0" dirty="0">
+              <a:ln>
+                <a:noFill/>
+              </a:ln>
+              <a:solidFill>
+                <a:schemeClr val="accent2"/>
+              </a:solidFill>
+              <a:effectLst/>
+              <a:uLnTx/>
+              <a:uFillTx/>
+              <a:latin typeface="+mn-lt"/>
+              <a:cs typeface="+mn-ea"/>
+              <a:sym typeface="+mn-lt"/>
+            </a:endParaRPr>
+          </a:p>
+        </p:txBody>
+      </p:sp>
+      <p:sp>
+        <p:nvSpPr>
+          <p:cNvPr id="27" name="文本占位符 17"/>
+          <p:cNvSpPr txBox="1">
+            <a:spLocks/>
+          </p:cNvSpPr>
+          <p:nvPr/>
+        </p:nvSpPr>
+        <p:spPr>
+          <a:xfrm>
+            <a:off x="252193" y="505633"/>
+            <a:ext cx="3817473" cy="416822"/>
+          </a:xfrm>
+          <a:prstGeom prst="rect">
+            <a:avLst/>
+          </a:prstGeom>
+        </p:spPr>
+        <p:txBody>
+          <a:bodyPr/>
+          <a:lstStyle>
+            <a:lvl1pPr marL="228600" indent="-228600" algn="l" defTabSz="914400" rtl="0" eaLnBrk="1" latinLnBrk="0" hangingPunct="1">
+              <a:lnSpc>
+                <a:spcPct val="90000"/>
+              </a:lnSpc>
+              <a:spcBef>
+                <a:spcPts val="1000"/>
+              </a:spcBef>
+              <a:buFont typeface="Arial" panose="020B0604020202020204" pitchFamily="34" charset="0"/>
+              <a:buChar char="•"/>
+              <a:defRPr lang="en-US" sz="2400" kern="1200" dirty="0" smtClean="0">
+                <a:solidFill>
+                  <a:schemeClr val="tx1"/>
+                </a:solidFill>
+                <a:effectLst/>
+                <a:latin typeface="Lato" panose="020F0502020204030203" pitchFamily="34" charset="0"/>
+                <a:ea typeface="+mn-ea"/>
+                <a:cs typeface="+mn-cs"/>
+              </a:defRPr>
+            </a:lvl1pPr>
+            <a:lvl2pPr marL="685800" indent="-228600" algn="l" defTabSz="914400" rtl="0" eaLnBrk="1" latinLnBrk="0" hangingPunct="1">
+              <a:lnSpc>
+                <a:spcPct val="90000"/>
+              </a:lnSpc>
+              <a:spcBef>
+                <a:spcPts val="500"/>
+              </a:spcBef>
+              <a:buFont typeface="Arial" panose="020B0604020202020204" pitchFamily="34" charset="0"/>
+              <a:buChar char="•"/>
+              <a:defRPr lang="en-US" sz="2000" kern="1200" dirty="0" smtClean="0">
+                <a:solidFill>
+                  <a:schemeClr val="tx1"/>
+                </a:solidFill>
+                <a:effectLst/>
+                <a:latin typeface="Lato" panose="020F0502020204030203" pitchFamily="34" charset="0"/>
+                <a:ea typeface="+mn-ea"/>
+                <a:cs typeface="+mn-cs"/>
+              </a:defRPr>
+            </a:lvl2pPr>
+            <a:lvl3pPr marL="1143000" indent="-228600" algn="l" defTabSz="914400" rtl="0" eaLnBrk="1" latinLnBrk="0" hangingPunct="1">
+              <a:lnSpc>
+                <a:spcPct val="90000"/>
+              </a:lnSpc>
+              <a:spcBef>
+                <a:spcPts val="500"/>
+              </a:spcBef>
+              <a:buFont typeface="Arial" panose="020B0604020202020204" pitchFamily="34" charset="0"/>
+              <a:buChar char="•"/>
+              <a:defRPr lang="en-US" sz="1800" kern="1200" dirty="0" smtClean="0">
+                <a:solidFill>
+                  <a:schemeClr val="tx1"/>
+                </a:solidFill>
+                <a:effectLst/>
+                <a:latin typeface="Lato" panose="020F0502020204030203" pitchFamily="34" charset="0"/>
+                <a:ea typeface="+mn-ea"/>
+                <a:cs typeface="+mn-cs"/>
+              </a:defRPr>
+            </a:lvl3pPr>
+            <a:lvl4pPr marL="1600200" indent="-228600" algn="l" defTabSz="914400" rtl="0" eaLnBrk="1" latinLnBrk="0" hangingPunct="1">
+              <a:lnSpc>
+                <a:spcPct val="90000"/>
+              </a:lnSpc>
+              <a:spcBef>
+                <a:spcPts val="500"/>
+              </a:spcBef>
+              <a:buFont typeface="Arial" panose="020B0604020202020204" pitchFamily="34" charset="0"/>
+              <a:buChar char="•"/>
+              <a:defRPr lang="en-US" sz="1600" kern="1200" dirty="0" smtClean="0">
+                <a:solidFill>
+                  <a:schemeClr val="tx1"/>
+                </a:solidFill>
+                <a:effectLst/>
+                <a:latin typeface="Lato" panose="020F0502020204030203" pitchFamily="34" charset="0"/>
+                <a:ea typeface="+mn-ea"/>
+                <a:cs typeface="+mn-cs"/>
+              </a:defRPr>
+            </a:lvl4pPr>
+            <a:lvl5pPr marL="2057400" indent="-228600" algn="l" defTabSz="914400" rtl="0" eaLnBrk="1" latinLnBrk="0" hangingPunct="1">
+              <a:lnSpc>
+                <a:spcPct val="90000"/>
+              </a:lnSpc>
+              <a:spcBef>
+                <a:spcPts val="500"/>
+              </a:spcBef>
+              <a:buFont typeface="Arial" panose="020B0604020202020204" pitchFamily="34" charset="0"/>
+              <a:buChar char="•"/>
+              <a:defRPr lang="en-US" sz="1600" kern="1200" dirty="0">
+                <a:solidFill>
+                  <a:schemeClr val="tx1"/>
+                </a:solidFill>
+                <a:effectLst/>
+                <a:latin typeface="Lato" panose="020F0502020204030203" pitchFamily="34" charset="0"/>
+                <a:ea typeface="+mn-ea"/>
+                <a:cs typeface="+mn-cs"/>
+              </a:defRPr>
+            </a:lvl5pPr>
+            <a:lvl6pPr marL="2514600" indent="-228600" algn="l" defTabSz="914400" rtl="0" eaLnBrk="1" latinLnBrk="0" hangingPunct="1">
+              <a:lnSpc>
+                <a:spcPct val="90000"/>
+              </a:lnSpc>
+              <a:spcBef>
+                <a:spcPts val="500"/>
+              </a:spcBef>
+              <a:buFont typeface="Arial" panose="020B0604020202020204" pitchFamily="34" charset="0"/>
+              <a:buChar char="•"/>
+              <a:defRPr sz="1800" kern="1200">
+                <a:solidFill>
+                  <a:schemeClr val="tx1"/>
+                </a:solidFill>
+                <a:latin typeface="+mn-lt"/>
+                <a:ea typeface="+mn-ea"/>
+                <a:cs typeface="+mn-cs"/>
+              </a:defRPr>
+            </a:lvl6pPr>
+            <a:lvl7pPr marL="2971800" indent="-228600" algn="l" defTabSz="914400" rtl="0" eaLnBrk="1" latinLnBrk="0" hangingPunct="1">
+              <a:lnSpc>
+                <a:spcPct val="90000"/>
+              </a:lnSpc>
+              <a:spcBef>
+                <a:spcPts val="500"/>
+              </a:spcBef>
+              <a:buFont typeface="Arial" panose="020B0604020202020204" pitchFamily="34" charset="0"/>
+              <a:buChar char="•"/>
+              <a:defRPr sz="1800" kern="1200">
+                <a:solidFill>
+                  <a:schemeClr val="tx1"/>
+                </a:solidFill>
+                <a:latin typeface="+mn-lt"/>
+                <a:ea typeface="+mn-ea"/>
+                <a:cs typeface="+mn-cs"/>
+              </a:defRPr>
+            </a:lvl7pPr>
+            <a:lvl8pPr marL="3429000" indent="-228600" algn="l" defTabSz="914400" rtl="0" eaLnBrk="1" latinLnBrk="0" hangingPunct="1">
+              <a:lnSpc>
+                <a:spcPct val="90000"/>
+              </a:lnSpc>
+              <a:spcBef>
+                <a:spcPts val="500"/>
+              </a:spcBef>
+              <a:buFont typeface="Arial" panose="020B0604020202020204" pitchFamily="34" charset="0"/>
+              <a:buChar char="•"/>
+              <a:defRPr sz="1800" kern="1200">
+                <a:solidFill>
+                  <a:schemeClr val="tx1"/>
+                </a:solidFill>
+                <a:latin typeface="+mn-lt"/>
+                <a:ea typeface="+mn-ea"/>
+                <a:cs typeface="+mn-cs"/>
+              </a:defRPr>
+            </a:lvl8pPr>
+            <a:lvl9pPr marL="3886200" indent="-228600" algn="l" defTabSz="914400" rtl="0" eaLnBrk="1" latinLnBrk="0" hangingPunct="1">
+              <a:lnSpc>
+                <a:spcPct val="90000"/>
+              </a:lnSpc>
+              <a:spcBef>
+                <a:spcPts val="500"/>
+              </a:spcBef>
+              <a:buFont typeface="Arial" panose="020B0604020202020204" pitchFamily="34" charset="0"/>
+              <a:buChar char="•"/>
+              <a:defRPr sz="1800" kern="1200">
+                <a:solidFill>
+                  <a:schemeClr val="tx1"/>
+                </a:solidFill>
+                <a:latin typeface="+mn-lt"/>
+                <a:ea typeface="+mn-ea"/>
+                <a:cs typeface="+mn-cs"/>
+              </a:defRPr>
+            </a:lvl9pPr>
+          </a:lstStyle>
+          <a:p>
+            <a:pPr marL="0" indent="0">
+              <a:buNone/>
+            </a:pPr>
+            <a:r>
+              <a:rPr lang="zh-CN" altLang="en-US" sz="2000" dirty="0">
+                <a:latin typeface="+mn-lt"/>
+                <a:cs typeface="+mn-ea"/>
+                <a:sym typeface="+mn-lt"/>
+              </a:rPr>
+              <a:t>分工</a:t>
+            </a:r>
+          </a:p>
+        </p:txBody>
+      </p:sp>
+    </p:spTree>
+    <p:extLst>
+      <p:ext uri="{BB962C8B-B14F-4D97-AF65-F5344CB8AC3E}">
+        <p14:creationId xmlns:p14="http://schemas.microsoft.com/office/powerpoint/2010/main" val="1113157273"/>
+      </p:ext>
+    </p:extLst>
+  </p:cSld>
+  <p:clrMapOvr>
+    <a:masterClrMapping/>
+  </p:clrMapOvr>
+</p:sld>
+</file>
+
+<file path=ppt/slides/slide5.xml><?xml version="1.0" encoding="utf-8"?>
+<p:sld xmlns:a="http://schemas.openxmlformats.org/drawingml/2006/main" xmlns:r="http://schemas.openxmlformats.org/officeDocument/2006/relationships" xmlns:p="http://schemas.openxmlformats.org/presentationml/2006/main">
+  <p:cSld>
+    <p:spTree>
+      <p:nvGrpSpPr>
+        <p:cNvPr id="1" name=""/>
+        <p:cNvGrpSpPr/>
+        <p:nvPr/>
+      </p:nvGrpSpPr>
+      <p:grpSpPr>
+        <a:xfrm>
+          <a:off x="0" y="0"/>
+          <a:ext cx="0" cy="0"/>
+          <a:chOff x="0" y="0"/>
+          <a:chExt cx="0" cy="0"/>
+        </a:xfrm>
+      </p:grpSpPr>
+      <p:sp>
+        <p:nvSpPr>
+          <p:cNvPr id="23" name="Text Placeholder 33"/>
+          <p:cNvSpPr txBox="1"/>
+          <p:nvPr/>
+        </p:nvSpPr>
+        <p:spPr>
+          <a:xfrm>
+            <a:off x="2727791" y="4495857"/>
+            <a:ext cx="6303492" cy="2105891"/>
+          </a:xfrm>
+          <a:prstGeom prst="rect">
+            <a:avLst/>
+          </a:prstGeom>
+        </p:spPr>
+        <p:txBody>
+          <a:bodyPr lIns="0" tIns="0" rIns="0" bIns="0"/>
+          <a:lstStyle>
+            <a:lvl1pPr marL="171450" indent="-171450" algn="l" defTabSz="685800" rtl="0" eaLnBrk="1" latinLnBrk="0" hangingPunct="1">
+              <a:lnSpc>
+                <a:spcPct val="90000"/>
+              </a:lnSpc>
+              <a:spcBef>
+                <a:spcPts val="750"/>
+              </a:spcBef>
+              <a:buFont typeface="Arial" pitchFamily="34" charset="0"/>
+              <a:buChar char="•"/>
+              <a:defRPr sz="2100" kern="1200">
+                <a:solidFill>
+                  <a:schemeClr val="tx1"/>
+                </a:solidFill>
+                <a:latin typeface="Neris Thin" panose="00000300000000000000" pitchFamily="50" charset="0"/>
+                <a:ea typeface="+mn-ea"/>
+                <a:cs typeface="+mn-cs"/>
+              </a:defRPr>
+            </a:lvl1pPr>
+            <a:lvl2pPr marL="514350" indent="-171450" algn="l" defTabSz="685800" rtl="0" eaLnBrk="1" latinLnBrk="0" hangingPunct="1">
+              <a:lnSpc>
+                <a:spcPct val="90000"/>
+              </a:lnSpc>
+              <a:spcBef>
+                <a:spcPts val="375"/>
+              </a:spcBef>
+              <a:buFont typeface="Arial" pitchFamily="34" charset="0"/>
+              <a:buChar char="•"/>
+              <a:defRPr sz="1800" kern="1200">
+                <a:solidFill>
+                  <a:schemeClr val="tx1"/>
+                </a:solidFill>
+                <a:latin typeface="Neris Thin" panose="00000300000000000000" pitchFamily="50" charset="0"/>
+                <a:ea typeface="+mn-ea"/>
+                <a:cs typeface="+mn-cs"/>
+              </a:defRPr>
+            </a:lvl2pPr>
+            <a:lvl3pPr marL="857250" indent="-171450" algn="l" defTabSz="685800" rtl="0" eaLnBrk="1" latinLnBrk="0" hangingPunct="1">
+              <a:lnSpc>
+                <a:spcPct val="90000"/>
+              </a:lnSpc>
+              <a:spcBef>
+                <a:spcPts val="375"/>
+              </a:spcBef>
+              <a:buFont typeface="Arial" pitchFamily="34" charset="0"/>
+              <a:buChar char="•"/>
+              <a:defRPr sz="1500" kern="1200">
+                <a:solidFill>
+                  <a:schemeClr val="tx1"/>
+                </a:solidFill>
+                <a:latin typeface="Neris Thin" panose="00000300000000000000" pitchFamily="50" charset="0"/>
+                <a:ea typeface="+mn-ea"/>
+                <a:cs typeface="+mn-cs"/>
+              </a:defRPr>
+            </a:lvl3pPr>
+            <a:lvl4pPr marL="1200150" indent="-171450" algn="l" defTabSz="685800" rtl="0" eaLnBrk="1" latinLnBrk="0" hangingPunct="1">
+              <a:lnSpc>
+                <a:spcPct val="90000"/>
+              </a:lnSpc>
+              <a:spcBef>
+                <a:spcPts val="375"/>
+              </a:spcBef>
+              <a:buFont typeface="Arial" pitchFamily="34" charset="0"/>
+              <a:buChar char="•"/>
+              <a:defRPr sz="1350" kern="1200">
+                <a:solidFill>
+                  <a:schemeClr val="tx1"/>
+                </a:solidFill>
+                <a:latin typeface="Neris Thin" panose="00000300000000000000" pitchFamily="50" charset="0"/>
+                <a:ea typeface="+mn-ea"/>
+                <a:cs typeface="+mn-cs"/>
+              </a:defRPr>
+            </a:lvl4pPr>
+            <a:lvl5pPr marL="1543050" indent="-171450" algn="l" defTabSz="685800" rtl="0" eaLnBrk="1" latinLnBrk="0" hangingPunct="1">
+              <a:lnSpc>
+                <a:spcPct val="90000"/>
+              </a:lnSpc>
+              <a:spcBef>
+                <a:spcPts val="375"/>
+              </a:spcBef>
+              <a:buFont typeface="Arial" pitchFamily="34" charset="0"/>
+              <a:buChar char="•"/>
+              <a:defRPr sz="1350" kern="1200">
+                <a:solidFill>
+                  <a:schemeClr val="tx1"/>
+                </a:solidFill>
+                <a:latin typeface="Neris Thin" panose="00000300000000000000" pitchFamily="50" charset="0"/>
+                <a:ea typeface="+mn-ea"/>
+                <a:cs typeface="+mn-cs"/>
+              </a:defRPr>
+            </a:lvl5pPr>
+            <a:lvl6pPr marL="1885950" indent="-171450" algn="l" defTabSz="685800" rtl="0" eaLnBrk="1" latinLnBrk="0" hangingPunct="1">
+              <a:lnSpc>
+                <a:spcPct val="90000"/>
+              </a:lnSpc>
+              <a:spcBef>
+                <a:spcPts val="375"/>
+              </a:spcBef>
+              <a:buFont typeface="Arial" pitchFamily="34" charset="0"/>
+              <a:buChar char="•"/>
+              <a:defRPr sz="1350" kern="1200">
+                <a:solidFill>
+                  <a:schemeClr val="tx1"/>
+                </a:solidFill>
+                <a:latin typeface="+mn-lt"/>
+                <a:ea typeface="+mn-ea"/>
+                <a:cs typeface="+mn-cs"/>
+              </a:defRPr>
+            </a:lvl6pPr>
+            <a:lvl7pPr marL="2228850" indent="-171450" algn="l" defTabSz="685800" rtl="0" eaLnBrk="1" latinLnBrk="0" hangingPunct="1">
+              <a:lnSpc>
+                <a:spcPct val="90000"/>
+              </a:lnSpc>
+              <a:spcBef>
+                <a:spcPts val="375"/>
+              </a:spcBef>
+              <a:buFont typeface="Arial" pitchFamily="34" charset="0"/>
+              <a:buChar char="•"/>
+              <a:defRPr sz="1350" kern="1200">
+                <a:solidFill>
+                  <a:schemeClr val="tx1"/>
+                </a:solidFill>
+                <a:latin typeface="+mn-lt"/>
+                <a:ea typeface="+mn-ea"/>
+                <a:cs typeface="+mn-cs"/>
+              </a:defRPr>
+            </a:lvl7pPr>
+            <a:lvl8pPr marL="2571750" indent="-171450" algn="l" defTabSz="685800" rtl="0" eaLnBrk="1" latinLnBrk="0" hangingPunct="1">
+              <a:lnSpc>
+                <a:spcPct val="90000"/>
+              </a:lnSpc>
+              <a:spcBef>
+                <a:spcPts val="375"/>
+              </a:spcBef>
+              <a:buFont typeface="Arial" pitchFamily="34" charset="0"/>
+              <a:buChar char="•"/>
+              <a:defRPr sz="1350" kern="1200">
+                <a:solidFill>
+                  <a:schemeClr val="tx1"/>
+                </a:solidFill>
+                <a:latin typeface="+mn-lt"/>
+                <a:ea typeface="+mn-ea"/>
+                <a:cs typeface="+mn-cs"/>
+              </a:defRPr>
+            </a:lvl8pPr>
+            <a:lvl9pPr marL="2914650" indent="-171450" algn="l" defTabSz="685800" rtl="0" eaLnBrk="1" latinLnBrk="0" hangingPunct="1">
+              <a:lnSpc>
+                <a:spcPct val="90000"/>
+              </a:lnSpc>
+              <a:spcBef>
+                <a:spcPts val="375"/>
+              </a:spcBef>
+              <a:buFont typeface="Arial" pitchFamily="34" charset="0"/>
+              <a:buChar char="•"/>
+              <a:defRPr sz="1350" kern="1200">
+                <a:solidFill>
+                  <a:schemeClr val="tx1"/>
+                </a:solidFill>
+                <a:latin typeface="+mn-lt"/>
+                <a:ea typeface="+mn-ea"/>
+                <a:cs typeface="+mn-cs"/>
+              </a:defRPr>
+            </a:lvl9pPr>
+          </a:lstStyle>
+          <a:p>
             <a:r>
               <a:rPr lang="zh-CN" altLang="en-US" sz="1600" b="1" dirty="0">
                 <a:solidFill>
@@ -19249,9 +20130,6 @@
             </a:r>
           </a:p>
           <a:p>
-            <a:pPr marL="0" lvl="0" indent="0" algn="ctr">
-              <a:buNone/>
-            </a:pPr>
             <a:r>
               <a:rPr kumimoji="0" lang="zh-CN" altLang="en-US" sz="1600" b="1" i="0" u="none" strike="noStrike" kern="1200" cap="none" spc="0" normalizeH="0" baseline="0" noProof="0" dirty="0">
                 <a:ln>
@@ -19353,9 +20231,6 @@
             </a:endParaRPr>
           </a:p>
           <a:p>
-            <a:pPr marL="0" lvl="0" indent="0" algn="ctr">
-              <a:buNone/>
-            </a:pPr>
             <a:r>
               <a:rPr lang="zh-CN" altLang="en-US" sz="1600" b="1" dirty="0">
                 <a:solidFill>
@@ -19378,6 +20253,59 @@
               </a:rPr>
               <a:t>mysql</a:t>
             </a:r>
+            <a:endParaRPr lang="en-US" altLang="zh-CN" sz="1600" b="1" dirty="0">
+              <a:solidFill>
+                <a:schemeClr val="accent2"/>
+              </a:solidFill>
+              <a:latin typeface="+mn-lt"/>
+              <a:cs typeface="+mn-ea"/>
+              <a:sym typeface="+mn-lt"/>
+            </a:endParaRPr>
+          </a:p>
+          <a:p>
+            <a:r>
+              <a:rPr lang="en-US" altLang="zh-CN" sz="1600" b="1" dirty="0">
+                <a:solidFill>
+                  <a:schemeClr val="accent2"/>
+                </a:solidFill>
+                <a:latin typeface="+mn-lt"/>
+                <a:cs typeface="+mn-ea"/>
+                <a:sym typeface="+mn-lt"/>
+              </a:rPr>
+              <a:t>UI</a:t>
+            </a:r>
+            <a:r>
+              <a:rPr lang="zh-CN" altLang="en-US" sz="1600" b="1" dirty="0">
+                <a:solidFill>
+                  <a:schemeClr val="accent2"/>
+                </a:solidFill>
+                <a:latin typeface="+mn-lt"/>
+                <a:cs typeface="+mn-ea"/>
+                <a:sym typeface="+mn-lt"/>
+              </a:rPr>
+              <a:t>设计：马卡龙配色、中国色、阿里巴巴矢量图、</a:t>
+            </a:r>
+            <a:r>
+              <a:rPr lang="en-US" altLang="zh-CN" sz="1600" b="1" dirty="0" err="1">
+                <a:solidFill>
+                  <a:schemeClr val="accent2"/>
+                </a:solidFill>
+                <a:latin typeface="+mn-lt"/>
+                <a:cs typeface="+mn-ea"/>
+                <a:sym typeface="+mn-lt"/>
+              </a:rPr>
+              <a:t>webgradients</a:t>
+            </a:r>
+            <a:endParaRPr lang="en-US" altLang="zh-CN" sz="1600" b="1" dirty="0">
+              <a:solidFill>
+                <a:schemeClr val="accent2"/>
+              </a:solidFill>
+              <a:latin typeface="+mn-lt"/>
+              <a:cs typeface="+mn-ea"/>
+              <a:sym typeface="+mn-lt"/>
+            </a:endParaRPr>
+          </a:p>
+          <a:p>
             <a:endParaRPr kumimoji="0" lang="en-AU" sz="1600" b="1" i="0" u="none" strike="noStrike" kern="1200" cap="none" spc="0" normalizeH="0" baseline="0" noProof="0" dirty="0">
               <a:ln>
                 <a:noFill/>
@@ -19701,7 +20629,7 @@
 </p:sld>
 </file>
 
-<file path=ppt/slides/slide5.xml><?xml version="1.0" encoding="utf-8"?>
+<file path=ppt/slides/slide6.xml><?xml version="1.0" encoding="utf-8"?>
 <p:sld xmlns:a="http://schemas.openxmlformats.org/drawingml/2006/main" xmlns:r="http://schemas.openxmlformats.org/officeDocument/2006/relationships" xmlns:p="http://schemas.openxmlformats.org/presentationml/2006/main">
   <p:cSld>
     <p:spTree>
@@ -20446,7 +21374,7 @@
 </p:sld>
 </file>
 
-<file path=ppt/slides/slide6.xml><?xml version="1.0" encoding="utf-8"?>
+<file path=ppt/slides/slide7.xml><?xml version="1.0" encoding="utf-8"?>
 <p:sld xmlns:a="http://schemas.openxmlformats.org/drawingml/2006/main" xmlns:r="http://schemas.openxmlformats.org/officeDocument/2006/relationships" xmlns:p="http://schemas.openxmlformats.org/presentationml/2006/main">
   <p:cSld>
     <p:spTree>
@@ -20962,7 +21890,7 @@
 </p:sld>
 </file>
 
-<file path=ppt/slides/slide7.xml><?xml version="1.0" encoding="utf-8"?>
+<file path=ppt/slides/slide8.xml><?xml version="1.0" encoding="utf-8"?>
 <p:sld xmlns:a="http://schemas.openxmlformats.org/drawingml/2006/main" xmlns:r="http://schemas.openxmlformats.org/officeDocument/2006/relationships" xmlns:p="http://schemas.openxmlformats.org/presentationml/2006/main">
   <p:cSld>
     <p:spTree>
@@ -21233,7 +22161,7 @@
 </p:sld>
 </file>
 
-<file path=ppt/slides/slide8.xml><?xml version="1.0" encoding="utf-8"?>
+<file path=ppt/slides/slide9.xml><?xml version="1.0" encoding="utf-8"?>
 <p:sld xmlns:a="http://schemas.openxmlformats.org/drawingml/2006/main" xmlns:r="http://schemas.openxmlformats.org/officeDocument/2006/relationships" xmlns:p="http://schemas.openxmlformats.org/presentationml/2006/main">
   <p:cSld>
     <p:spTree>
@@ -21495,277 +22423,6 @@
     <p:extLst>
       <p:ext uri="{BB962C8B-B14F-4D97-AF65-F5344CB8AC3E}">
         <p14:creationId xmlns:p14="http://schemas.microsoft.com/office/powerpoint/2010/main" val="1847106425"/>
-      </p:ext>
-    </p:extLst>
-  </p:cSld>
-  <p:clrMapOvr>
-    <a:masterClrMapping/>
-  </p:clrMapOvr>
-</p:sld>
-</file>
-
-<file path=ppt/slides/slide9.xml><?xml version="1.0" encoding="utf-8"?>
-<p:sld xmlns:a="http://schemas.openxmlformats.org/drawingml/2006/main" xmlns:r="http://schemas.openxmlformats.org/officeDocument/2006/relationships" xmlns:p="http://schemas.openxmlformats.org/presentationml/2006/main">
-  <p:cSld>
-    <p:spTree>
-      <p:nvGrpSpPr>
-        <p:cNvPr id="1" name=""/>
-        <p:cNvGrpSpPr/>
-        <p:nvPr/>
-      </p:nvGrpSpPr>
-      <p:grpSpPr>
-        <a:xfrm>
-          <a:off x="0" y="0"/>
-          <a:ext cx="0" cy="0"/>
-          <a:chOff x="0" y="0"/>
-          <a:chExt cx="0" cy="0"/>
-        </a:xfrm>
-      </p:grpSpPr>
-      <p:sp>
-        <p:nvSpPr>
-          <p:cNvPr id="27" name="文本占位符 17"/>
-          <p:cNvSpPr txBox="1">
-            <a:spLocks/>
-          </p:cNvSpPr>
-          <p:nvPr/>
-        </p:nvSpPr>
-        <p:spPr>
-          <a:xfrm>
-            <a:off x="252193" y="505633"/>
-            <a:ext cx="3817473" cy="416822"/>
-          </a:xfrm>
-          <a:prstGeom prst="rect">
-            <a:avLst/>
-          </a:prstGeom>
-        </p:spPr>
-        <p:txBody>
-          <a:bodyPr/>
-          <a:lstStyle>
-            <a:lvl1pPr marL="228600" indent="-228600" algn="l" defTabSz="914400" rtl="0" eaLnBrk="1" latinLnBrk="0" hangingPunct="1">
-              <a:lnSpc>
-                <a:spcPct val="90000"/>
-              </a:lnSpc>
-              <a:spcBef>
-                <a:spcPts val="1000"/>
-              </a:spcBef>
-              <a:buFont typeface="Arial" panose="020B0604020202020204" pitchFamily="34" charset="0"/>
-              <a:buChar char="•"/>
-              <a:defRPr lang="en-US" sz="2400" kern="1200" dirty="0" smtClean="0">
-                <a:solidFill>
-                  <a:schemeClr val="tx1"/>
-                </a:solidFill>
-                <a:effectLst/>
-                <a:latin typeface="Lato" panose="020F0502020204030203" pitchFamily="34" charset="0"/>
-                <a:ea typeface="+mn-ea"/>
-                <a:cs typeface="+mn-cs"/>
-              </a:defRPr>
-            </a:lvl1pPr>
-            <a:lvl2pPr marL="685800" indent="-228600" algn="l" defTabSz="914400" rtl="0" eaLnBrk="1" latinLnBrk="0" hangingPunct="1">
-              <a:lnSpc>
-                <a:spcPct val="90000"/>
-              </a:lnSpc>
-              <a:spcBef>
-                <a:spcPts val="500"/>
-              </a:spcBef>
-              <a:buFont typeface="Arial" panose="020B0604020202020204" pitchFamily="34" charset="0"/>
-              <a:buChar char="•"/>
-              <a:defRPr lang="en-US" sz="2000" kern="1200" dirty="0" smtClean="0">
-                <a:solidFill>
-                  <a:schemeClr val="tx1"/>
-                </a:solidFill>
-                <a:effectLst/>
-                <a:latin typeface="Lato" panose="020F0502020204030203" pitchFamily="34" charset="0"/>
-                <a:ea typeface="+mn-ea"/>
-                <a:cs typeface="+mn-cs"/>
-              </a:defRPr>
-            </a:lvl2pPr>
-            <a:lvl3pPr marL="1143000" indent="-228600" algn="l" defTabSz="914400" rtl="0" eaLnBrk="1" latinLnBrk="0" hangingPunct="1">
-              <a:lnSpc>
-                <a:spcPct val="90000"/>
-              </a:lnSpc>
-              <a:spcBef>
-                <a:spcPts val="500"/>
-              </a:spcBef>
-              <a:buFont typeface="Arial" panose="020B0604020202020204" pitchFamily="34" charset="0"/>
-              <a:buChar char="•"/>
-              <a:defRPr lang="en-US" sz="1800" kern="1200" dirty="0" smtClean="0">
-                <a:solidFill>
-                  <a:schemeClr val="tx1"/>
-                </a:solidFill>
-                <a:effectLst/>
-                <a:latin typeface="Lato" panose="020F0502020204030203" pitchFamily="34" charset="0"/>
-                <a:ea typeface="+mn-ea"/>
-                <a:cs typeface="+mn-cs"/>
-              </a:defRPr>
-            </a:lvl3pPr>
-            <a:lvl4pPr marL="1600200" indent="-228600" algn="l" defTabSz="914400" rtl="0" eaLnBrk="1" latinLnBrk="0" hangingPunct="1">
-              <a:lnSpc>
-                <a:spcPct val="90000"/>
-              </a:lnSpc>
-              <a:spcBef>
-                <a:spcPts val="500"/>
-              </a:spcBef>
-              <a:buFont typeface="Arial" panose="020B0604020202020204" pitchFamily="34" charset="0"/>
-              <a:buChar char="•"/>
-              <a:defRPr lang="en-US" sz="1600" kern="1200" dirty="0" smtClean="0">
-                <a:solidFill>
-                  <a:schemeClr val="tx1"/>
-                </a:solidFill>
-                <a:effectLst/>
-                <a:latin typeface="Lato" panose="020F0502020204030203" pitchFamily="34" charset="0"/>
-                <a:ea typeface="+mn-ea"/>
-                <a:cs typeface="+mn-cs"/>
-              </a:defRPr>
-            </a:lvl4pPr>
-            <a:lvl5pPr marL="2057400" indent="-228600" algn="l" defTabSz="914400" rtl="0" eaLnBrk="1" latinLnBrk="0" hangingPunct="1">
-              <a:lnSpc>
-                <a:spcPct val="90000"/>
-              </a:lnSpc>
-              <a:spcBef>
-                <a:spcPts val="500"/>
-              </a:spcBef>
-              <a:buFont typeface="Arial" panose="020B0604020202020204" pitchFamily="34" charset="0"/>
-              <a:buChar char="•"/>
-              <a:defRPr lang="en-US" sz="1600" kern="1200" dirty="0">
-                <a:solidFill>
-                  <a:schemeClr val="tx1"/>
-                </a:solidFill>
-                <a:effectLst/>
-                <a:latin typeface="Lato" panose="020F0502020204030203" pitchFamily="34" charset="0"/>
-                <a:ea typeface="+mn-ea"/>
-                <a:cs typeface="+mn-cs"/>
-              </a:defRPr>
-            </a:lvl5pPr>
-            <a:lvl6pPr marL="2514600" indent="-228600" algn="l" defTabSz="914400" rtl="0" eaLnBrk="1" latinLnBrk="0" hangingPunct="1">
-              <a:lnSpc>
-                <a:spcPct val="90000"/>
-              </a:lnSpc>
-              <a:spcBef>
-                <a:spcPts val="500"/>
-              </a:spcBef>
-              <a:buFont typeface="Arial" panose="020B0604020202020204" pitchFamily="34" charset="0"/>
-              <a:buChar char="•"/>
-              <a:defRPr sz="1800" kern="1200">
-                <a:solidFill>
-                  <a:schemeClr val="tx1"/>
-                </a:solidFill>
-                <a:latin typeface="+mn-lt"/>
-                <a:ea typeface="+mn-ea"/>
-                <a:cs typeface="+mn-cs"/>
-              </a:defRPr>
-            </a:lvl6pPr>
-            <a:lvl7pPr marL="2971800" indent="-228600" algn="l" defTabSz="914400" rtl="0" eaLnBrk="1" latinLnBrk="0" hangingPunct="1">
-              <a:lnSpc>
-                <a:spcPct val="90000"/>
-              </a:lnSpc>
-              <a:spcBef>
-                <a:spcPts val="500"/>
-              </a:spcBef>
-              <a:buFont typeface="Arial" panose="020B0604020202020204" pitchFamily="34" charset="0"/>
-              <a:buChar char="•"/>
-              <a:defRPr sz="1800" kern="1200">
-                <a:solidFill>
-                  <a:schemeClr val="tx1"/>
-                </a:solidFill>
-                <a:latin typeface="+mn-lt"/>
-                <a:ea typeface="+mn-ea"/>
-                <a:cs typeface="+mn-cs"/>
-              </a:defRPr>
-            </a:lvl7pPr>
-            <a:lvl8pPr marL="3429000" indent="-228600" algn="l" defTabSz="914400" rtl="0" eaLnBrk="1" latinLnBrk="0" hangingPunct="1">
-              <a:lnSpc>
-                <a:spcPct val="90000"/>
-              </a:lnSpc>
-              <a:spcBef>
-                <a:spcPts val="500"/>
-              </a:spcBef>
-              <a:buFont typeface="Arial" panose="020B0604020202020204" pitchFamily="34" charset="0"/>
-              <a:buChar char="•"/>
-              <a:defRPr sz="1800" kern="1200">
-                <a:solidFill>
-                  <a:schemeClr val="tx1"/>
-                </a:solidFill>
-                <a:latin typeface="+mn-lt"/>
-                <a:ea typeface="+mn-ea"/>
-                <a:cs typeface="+mn-cs"/>
-              </a:defRPr>
-            </a:lvl8pPr>
-            <a:lvl9pPr marL="3886200" indent="-228600" algn="l" defTabSz="914400" rtl="0" eaLnBrk="1" latinLnBrk="0" hangingPunct="1">
-              <a:lnSpc>
-                <a:spcPct val="90000"/>
-              </a:lnSpc>
-              <a:spcBef>
-                <a:spcPts val="500"/>
-              </a:spcBef>
-              <a:buFont typeface="Arial" panose="020B0604020202020204" pitchFamily="34" charset="0"/>
-              <a:buChar char="•"/>
-              <a:defRPr sz="1800" kern="1200">
-                <a:solidFill>
-                  <a:schemeClr val="tx1"/>
-                </a:solidFill>
-                <a:latin typeface="+mn-lt"/>
-                <a:ea typeface="+mn-ea"/>
-                <a:cs typeface="+mn-cs"/>
-              </a:defRPr>
-            </a:lvl9pPr>
-          </a:lstStyle>
-          <a:p>
-            <a:pPr marL="0" indent="0">
-              <a:buNone/>
-            </a:pPr>
-            <a:r>
-              <a:rPr lang="en-US" altLang="zh-CN" sz="2000" dirty="0">
-                <a:latin typeface="+mn-lt"/>
-                <a:cs typeface="+mn-ea"/>
-                <a:sym typeface="+mn-lt"/>
-              </a:rPr>
-              <a:t>API</a:t>
-            </a:r>
-            <a:r>
-              <a:rPr lang="zh-CN" altLang="en-US" sz="2000" dirty="0">
-                <a:latin typeface="+mn-lt"/>
-                <a:cs typeface="+mn-ea"/>
-                <a:sym typeface="+mn-lt"/>
-              </a:rPr>
-              <a:t>设计</a:t>
-            </a:r>
-          </a:p>
-        </p:txBody>
-      </p:sp>
-      <p:pic>
-        <p:nvPicPr>
-          <p:cNvPr id="4" name="图片 3">
-            <a:extLst>
-              <a:ext uri="{FF2B5EF4-FFF2-40B4-BE49-F238E27FC236}">
-                <a16:creationId xmlns:a16="http://schemas.microsoft.com/office/drawing/2014/main" id="{A93D0366-9CC4-4D3E-A7A4-A32024D717F1}"/>
-              </a:ext>
-            </a:extLst>
-          </p:cNvPr>
-          <p:cNvPicPr>
-            <a:picLocks noChangeAspect="1"/>
-          </p:cNvPicPr>
-          <p:nvPr/>
-        </p:nvPicPr>
-        <p:blipFill>
-          <a:blip r:embed="rId2"/>
-          <a:stretch>
-            <a:fillRect/>
-          </a:stretch>
-        </p:blipFill>
-        <p:spPr>
-          <a:xfrm>
-            <a:off x="0" y="1962767"/>
-            <a:ext cx="12192000" cy="2932466"/>
-          </a:xfrm>
-          <a:prstGeom prst="rect">
-            <a:avLst/>
-          </a:prstGeom>
-        </p:spPr>
-      </p:pic>
-    </p:spTree>
-    <p:extLst>
-      <p:ext uri="{BB962C8B-B14F-4D97-AF65-F5344CB8AC3E}">
-        <p14:creationId xmlns:p14="http://schemas.microsoft.com/office/powerpoint/2010/main" val="4079829219"/>
       </p:ext>
     </p:extLst>
   </p:cSld>

--- a/doc/汇报.pptx
+++ b/doc/汇报.pptx
@@ -5278,6 +5278,71 @@
               </a:rPr>
               <a:t>注册完成之后需要等待管理员审核后才能进行登陆，是不能直接登陆的。</a:t>
             </a:r>
+            <a:endParaRPr lang="en-US" altLang="zh-CN" sz="1600" b="1" dirty="0">
+              <a:solidFill>
+                <a:schemeClr val="accent2"/>
+              </a:solidFill>
+              <a:latin typeface="+mn-lt"/>
+              <a:cs typeface="+mn-ea"/>
+              <a:sym typeface="+mn-lt"/>
+            </a:endParaRPr>
+          </a:p>
+          <a:p>
+            <a:pPr marL="0" lvl="0" indent="0">
+              <a:buNone/>
+            </a:pPr>
+            <a:endParaRPr kumimoji="0" lang="en-US" altLang="zh-CN" sz="1600" b="1" i="0" u="none" strike="noStrike" kern="1200" cap="none" spc="0" normalizeH="0" baseline="0" noProof="0" dirty="0">
+              <a:ln>
+                <a:noFill/>
+              </a:ln>
+              <a:solidFill>
+                <a:schemeClr val="accent2"/>
+              </a:solidFill>
+              <a:effectLst/>
+              <a:uLnTx/>
+              <a:uFillTx/>
+              <a:latin typeface="+mn-lt"/>
+              <a:cs typeface="+mn-ea"/>
+              <a:sym typeface="+mn-lt"/>
+            </a:endParaRPr>
+          </a:p>
+          <a:p>
+            <a:pPr marL="0" lvl="0" indent="0">
+              <a:buNone/>
+            </a:pPr>
+            <a:r>
+              <a:rPr lang="zh-CN" altLang="en-US" sz="1600" b="1" dirty="0">
+                <a:solidFill>
+                  <a:schemeClr val="accent2"/>
+                </a:solidFill>
+                <a:latin typeface="+mn-lt"/>
+                <a:cs typeface="+mn-ea"/>
+                <a:sym typeface="+mn-lt"/>
+              </a:rPr>
+              <a:t>密码采取了</a:t>
+            </a:r>
+            <a:r>
+              <a:rPr lang="en-US" altLang="zh-CN" sz="1600" b="1" dirty="0">
+                <a:solidFill>
+                  <a:schemeClr val="accent2"/>
+                </a:solidFill>
+                <a:latin typeface="+mn-lt"/>
+                <a:cs typeface="+mn-ea"/>
+                <a:sym typeface="+mn-lt"/>
+              </a:rPr>
+              <a:t>SHA</a:t>
+            </a:r>
+            <a:r>
+              <a:rPr lang="zh-CN" altLang="en-US" sz="1600" b="1" dirty="0">
+                <a:solidFill>
+                  <a:schemeClr val="accent2"/>
+                </a:solidFill>
+                <a:latin typeface="+mn-lt"/>
+                <a:cs typeface="+mn-ea"/>
+                <a:sym typeface="+mn-lt"/>
+              </a:rPr>
+              <a:t>加密技术。</a:t>
+            </a:r>
             <a:endParaRPr kumimoji="0" lang="en-US" altLang="zh-CN" sz="1600" b="1" i="0" u="none" strike="noStrike" kern="1200" cap="none" spc="0" normalizeH="0" baseline="0" noProof="0" dirty="0">
               <a:ln>
                 <a:noFill/>
